--- a/doc/5_Optimizacion_Gestion_Recursos_Microservicios_C++.pptx
+++ b/doc/5_Optimizacion_Gestion_Recursos_Microservicios_C++.pptx
@@ -5,7 +5,7 @@
     <p:sldMasterId id="2147483648" r:id="rId1"/>
   </p:sldMasterIdLst>
   <p:notesMasterIdLst>
-    <p:notesMasterId r:id="rId8"/>
+    <p:notesMasterId r:id="rId24"/>
   </p:notesMasterIdLst>
   <p:sldIdLst>
     <p:sldId id="256" r:id="rId2"/>
@@ -13,7 +13,23 @@
     <p:sldId id="258" r:id="rId4"/>
     <p:sldId id="259" r:id="rId5"/>
     <p:sldId id="260" r:id="rId6"/>
-    <p:sldId id="261" r:id="rId7"/>
+    <p:sldId id="262" r:id="rId7"/>
+    <p:sldId id="263" r:id="rId8"/>
+    <p:sldId id="264" r:id="rId9"/>
+    <p:sldId id="269" r:id="rId10"/>
+    <p:sldId id="276" r:id="rId11"/>
+    <p:sldId id="277" r:id="rId12"/>
+    <p:sldId id="265" r:id="rId13"/>
+    <p:sldId id="266" r:id="rId14"/>
+    <p:sldId id="261" r:id="rId15"/>
+    <p:sldId id="267" r:id="rId16"/>
+    <p:sldId id="268" r:id="rId17"/>
+    <p:sldId id="271" r:id="rId18"/>
+    <p:sldId id="270" r:id="rId19"/>
+    <p:sldId id="272" r:id="rId20"/>
+    <p:sldId id="273" r:id="rId21"/>
+    <p:sldId id="274" r:id="rId22"/>
+    <p:sldId id="275" r:id="rId23"/>
   </p:sldIdLst>
   <p:sldSz cx="12192000" cy="6858000"/>
   <p:notesSz cx="6858000" cy="9144000"/>
@@ -112,6 +128,11 @@
       </a:defRPr>
     </a:lvl9pPr>
   </p:defaultTextStyle>
+  <p:extLst>
+    <p:ext uri="{EFAFB233-063F-42B5-8137-9DF3F51BA10A}">
+      <p15:sldGuideLst xmlns:p15="http://schemas.microsoft.com/office/powerpoint/2012/main"/>
+    </p:ext>
+  </p:extLst>
 </p:presentation>
 </file>
 
@@ -197,7 +218,7 @@
           <a:p>
             <a:fld id="{5331BE6D-F432-410C-92D3-5AC4983686BB}" type="datetimeFigureOut">
               <a:rPr lang="es-ES" smtClean="0"/>
-              <a:t>08/09/2025</a:t>
+              <a:t>17/09/2025</a:t>
             </a:fld>
             <a:endParaRPr lang="es-ES"/>
           </a:p>
@@ -611,7 +632,7 @@
           <a:p>
             <a:fld id="{CDDF2DE8-E9D9-43B8-B951-8F26891D9464}" type="datetime1">
               <a:rPr lang="es-ES" smtClean="0"/>
-              <a:t>08/09/2025</a:t>
+              <a:t>17/09/2025</a:t>
             </a:fld>
             <a:endParaRPr lang="es-ES"/>
           </a:p>
@@ -809,7 +830,7 @@
           <a:p>
             <a:fld id="{308F150F-EB7E-4D64-8E58-41225381B599}" type="datetime1">
               <a:rPr lang="es-ES" smtClean="0"/>
-              <a:t>08/09/2025</a:t>
+              <a:t>17/09/2025</a:t>
             </a:fld>
             <a:endParaRPr lang="es-ES"/>
           </a:p>
@@ -1017,7 +1038,7 @@
           <a:p>
             <a:fld id="{07C0373F-76FE-4634-A5F6-CC9BFD62A682}" type="datetime1">
               <a:rPr lang="es-ES" smtClean="0"/>
-              <a:t>08/09/2025</a:t>
+              <a:t>17/09/2025</a:t>
             </a:fld>
             <a:endParaRPr lang="es-ES"/>
           </a:p>
@@ -1215,7 +1236,7 @@
           <a:p>
             <a:fld id="{C9C813BB-9208-47D7-95D7-2C6496ABFECB}" type="datetime1">
               <a:rPr lang="es-ES" smtClean="0"/>
-              <a:t>08/09/2025</a:t>
+              <a:t>17/09/2025</a:t>
             </a:fld>
             <a:endParaRPr lang="es-ES"/>
           </a:p>
@@ -1490,7 +1511,7 @@
           <a:p>
             <a:fld id="{EB2AC827-48AF-426A-A6C8-D38D8F6D1920}" type="datetime1">
               <a:rPr lang="es-ES" smtClean="0"/>
-              <a:t>08/09/2025</a:t>
+              <a:t>17/09/2025</a:t>
             </a:fld>
             <a:endParaRPr lang="es-ES"/>
           </a:p>
@@ -1755,7 +1776,7 @@
           <a:p>
             <a:fld id="{405FA529-CB11-4985-87D4-277E4E0A8400}" type="datetime1">
               <a:rPr lang="es-ES" smtClean="0"/>
-              <a:t>08/09/2025</a:t>
+              <a:t>17/09/2025</a:t>
             </a:fld>
             <a:endParaRPr lang="es-ES"/>
           </a:p>
@@ -2167,7 +2188,7 @@
           <a:p>
             <a:fld id="{207E20D5-D182-40C5-B674-A66AF476BD63}" type="datetime1">
               <a:rPr lang="es-ES" smtClean="0"/>
-              <a:t>08/09/2025</a:t>
+              <a:t>17/09/2025</a:t>
             </a:fld>
             <a:endParaRPr lang="es-ES"/>
           </a:p>
@@ -2308,7 +2329,7 @@
           <a:p>
             <a:fld id="{8A52C978-22CD-40FE-A749-06542CF3C7FC}" type="datetime1">
               <a:rPr lang="es-ES" smtClean="0"/>
-              <a:t>08/09/2025</a:t>
+              <a:t>17/09/2025</a:t>
             </a:fld>
             <a:endParaRPr lang="es-ES"/>
           </a:p>
@@ -2421,7 +2442,7 @@
           <a:p>
             <a:fld id="{E9CEB286-B117-4769-90D6-85136487E93C}" type="datetime1">
               <a:rPr lang="es-ES" smtClean="0"/>
-              <a:t>08/09/2025</a:t>
+              <a:t>17/09/2025</a:t>
             </a:fld>
             <a:endParaRPr lang="es-ES"/>
           </a:p>
@@ -2732,7 +2753,7 @@
           <a:p>
             <a:fld id="{93FFB2D6-52AA-4947-AB8B-7596292D843F}" type="datetime1">
               <a:rPr lang="es-ES" smtClean="0"/>
-              <a:t>08/09/2025</a:t>
+              <a:t>17/09/2025</a:t>
             </a:fld>
             <a:endParaRPr lang="es-ES"/>
           </a:p>
@@ -3020,7 +3041,7 @@
           <a:p>
             <a:fld id="{6C2AF835-D9B6-409F-93F1-91D369778952}" type="datetime1">
               <a:rPr lang="es-ES" smtClean="0"/>
-              <a:t>08/09/2025</a:t>
+              <a:t>17/09/2025</a:t>
             </a:fld>
             <a:endParaRPr lang="es-ES"/>
           </a:p>
@@ -3261,7 +3282,7 @@
           <a:p>
             <a:fld id="{1BFD1587-ABF0-4357-A3D3-94C4057E69B9}" type="datetime1">
               <a:rPr lang="es-ES" smtClean="0"/>
-              <a:t>08/09/2025</a:t>
+              <a:t>17/09/2025</a:t>
             </a:fld>
             <a:endParaRPr lang="es-ES"/>
           </a:p>
@@ -3760,6 +3781,1709 @@
 </p:sld>
 </file>
 
+<file path=ppt/slides/slide10.xml><?xml version="1.0" encoding="utf-8"?>
+<p:sld xmlns:a="http://schemas.openxmlformats.org/drawingml/2006/main" xmlns:r="http://schemas.openxmlformats.org/officeDocument/2006/relationships" xmlns:p="http://schemas.openxmlformats.org/presentationml/2006/main">
+  <p:cSld>
+    <p:spTree>
+      <p:nvGrpSpPr>
+        <p:cNvPr id="1" name=""/>
+        <p:cNvGrpSpPr/>
+        <p:nvPr/>
+      </p:nvGrpSpPr>
+      <p:grpSpPr>
+        <a:xfrm>
+          <a:off x="0" y="0"/>
+          <a:ext cx="0" cy="0"/>
+          <a:chOff x="0" y="0"/>
+          <a:chExt cx="0" cy="0"/>
+        </a:xfrm>
+      </p:grpSpPr>
+      <p:sp>
+        <p:nvSpPr>
+          <p:cNvPr id="2" name="Título 1">
+            <a:extLst>
+              <a:ext uri="{FF2B5EF4-FFF2-40B4-BE49-F238E27FC236}">
+                <a16:creationId xmlns:a16="http://schemas.microsoft.com/office/drawing/2014/main" id="{BFD7880A-9C41-F630-EE0F-EC34D2051AB0}"/>
+              </a:ext>
+            </a:extLst>
+          </p:cNvPr>
+          <p:cNvSpPr>
+            <a:spLocks noGrp="1"/>
+          </p:cNvSpPr>
+          <p:nvPr>
+            <p:ph type="title"/>
+          </p:nvPr>
+        </p:nvSpPr>
+        <p:spPr/>
+        <p:txBody>
+          <a:bodyPr/>
+          <a:lstStyle/>
+          <a:p>
+            <a:r>
+              <a:rPr lang="es-ES" dirty="0"/>
+              <a:t>Tipos de benchmarking técnico</a:t>
+            </a:r>
+          </a:p>
+        </p:txBody>
+      </p:sp>
+      <p:sp>
+        <p:nvSpPr>
+          <p:cNvPr id="4" name="Marcador de número de diapositiva 3">
+            <a:extLst>
+              <a:ext uri="{FF2B5EF4-FFF2-40B4-BE49-F238E27FC236}">
+                <a16:creationId xmlns:a16="http://schemas.microsoft.com/office/drawing/2014/main" id="{2214CCE4-8DA3-AA49-DC5F-3BBC720A6D78}"/>
+              </a:ext>
+            </a:extLst>
+          </p:cNvPr>
+          <p:cNvSpPr>
+            <a:spLocks noGrp="1"/>
+          </p:cNvSpPr>
+          <p:nvPr>
+            <p:ph type="sldNum" sz="quarter" idx="12"/>
+          </p:nvPr>
+        </p:nvSpPr>
+        <p:spPr/>
+        <p:txBody>
+          <a:bodyPr/>
+          <a:lstStyle/>
+          <a:p>
+            <a:fld id="{927B4081-9AA4-4402-8B96-87C4C53A8D10}" type="slidenum">
+              <a:rPr lang="es-ES" smtClean="0"/>
+              <a:t>10</a:t>
+            </a:fld>
+            <a:endParaRPr lang="es-ES"/>
+          </a:p>
+        </p:txBody>
+      </p:sp>
+      <p:pic>
+        <p:nvPicPr>
+          <p:cNvPr id="6" name="Imagen 5">
+            <a:extLst>
+              <a:ext uri="{FF2B5EF4-FFF2-40B4-BE49-F238E27FC236}">
+                <a16:creationId xmlns:a16="http://schemas.microsoft.com/office/drawing/2014/main" id="{5127C629-9548-D2AA-7156-14FDBDA9C4E2}"/>
+              </a:ext>
+            </a:extLst>
+          </p:cNvPr>
+          <p:cNvPicPr>
+            <a:picLocks noChangeAspect="1"/>
+          </p:cNvPicPr>
+          <p:nvPr/>
+        </p:nvPicPr>
+        <p:blipFill>
+          <a:blip r:embed="rId2"/>
+          <a:stretch>
+            <a:fillRect/>
+          </a:stretch>
+        </p:blipFill>
+        <p:spPr>
+          <a:xfrm>
+            <a:off x="928490" y="1820502"/>
+            <a:ext cx="10225502" cy="3147424"/>
+          </a:xfrm>
+          <a:prstGeom prst="rect">
+            <a:avLst/>
+          </a:prstGeom>
+        </p:spPr>
+      </p:pic>
+    </p:spTree>
+    <p:extLst>
+      <p:ext uri="{BB962C8B-B14F-4D97-AF65-F5344CB8AC3E}">
+        <p14:creationId xmlns:p14="http://schemas.microsoft.com/office/powerpoint/2010/main" val="1191913874"/>
+      </p:ext>
+    </p:extLst>
+  </p:cSld>
+  <p:clrMapOvr>
+    <a:masterClrMapping/>
+  </p:clrMapOvr>
+</p:sld>
+</file>
+
+<file path=ppt/slides/slide11.xml><?xml version="1.0" encoding="utf-8"?>
+<p:sld xmlns:a="http://schemas.openxmlformats.org/drawingml/2006/main" xmlns:r="http://schemas.openxmlformats.org/officeDocument/2006/relationships" xmlns:p="http://schemas.openxmlformats.org/presentationml/2006/main">
+  <p:cSld>
+    <p:spTree>
+      <p:nvGrpSpPr>
+        <p:cNvPr id="1" name=""/>
+        <p:cNvGrpSpPr/>
+        <p:nvPr/>
+      </p:nvGrpSpPr>
+      <p:grpSpPr>
+        <a:xfrm>
+          <a:off x="0" y="0"/>
+          <a:ext cx="0" cy="0"/>
+          <a:chOff x="0" y="0"/>
+          <a:chExt cx="0" cy="0"/>
+        </a:xfrm>
+      </p:grpSpPr>
+      <p:sp>
+        <p:nvSpPr>
+          <p:cNvPr id="2" name="Título 1">
+            <a:extLst>
+              <a:ext uri="{FF2B5EF4-FFF2-40B4-BE49-F238E27FC236}">
+                <a16:creationId xmlns:a16="http://schemas.microsoft.com/office/drawing/2014/main" id="{92DE6FB6-25ED-1C02-21F6-2E08E26A860F}"/>
+              </a:ext>
+            </a:extLst>
+          </p:cNvPr>
+          <p:cNvSpPr>
+            <a:spLocks noGrp="1"/>
+          </p:cNvSpPr>
+          <p:nvPr>
+            <p:ph type="title"/>
+          </p:nvPr>
+        </p:nvSpPr>
+        <p:spPr/>
+        <p:txBody>
+          <a:bodyPr/>
+          <a:lstStyle/>
+          <a:p>
+            <a:r>
+              <a:rPr lang="es-ES" dirty="0"/>
+              <a:t>¿Para que sirve?</a:t>
+            </a:r>
+          </a:p>
+        </p:txBody>
+      </p:sp>
+      <p:sp>
+        <p:nvSpPr>
+          <p:cNvPr id="3" name="Marcador de contenido 2">
+            <a:extLst>
+              <a:ext uri="{FF2B5EF4-FFF2-40B4-BE49-F238E27FC236}">
+                <a16:creationId xmlns:a16="http://schemas.microsoft.com/office/drawing/2014/main" id="{120F6EF3-03F3-6E76-9817-52B53996B9E3}"/>
+              </a:ext>
+            </a:extLst>
+          </p:cNvPr>
+          <p:cNvSpPr>
+            <a:spLocks noGrp="1"/>
+          </p:cNvSpPr>
+          <p:nvPr>
+            <p:ph idx="1"/>
+          </p:nvPr>
+        </p:nvSpPr>
+        <p:spPr/>
+        <p:txBody>
+          <a:bodyPr>
+            <a:normAutofit lnSpcReduction="10000"/>
+          </a:bodyPr>
+          <a:lstStyle/>
+          <a:p>
+            <a:r>
+              <a:rPr lang="es-ES" dirty="0"/>
+              <a:t>Detectar cuellos de botella</a:t>
+            </a:r>
+          </a:p>
+          <a:p>
+            <a:endParaRPr lang="es-ES" dirty="0"/>
+          </a:p>
+          <a:p>
+            <a:r>
+              <a:rPr lang="es-ES" dirty="0"/>
+              <a:t>Validar mejoras de rendimiento</a:t>
+            </a:r>
+          </a:p>
+          <a:p>
+            <a:endParaRPr lang="es-ES" dirty="0"/>
+          </a:p>
+          <a:p>
+            <a:r>
+              <a:rPr lang="es-ES" dirty="0"/>
+              <a:t>Justificar decisiones tecnológicas</a:t>
+            </a:r>
+          </a:p>
+          <a:p>
+            <a:endParaRPr lang="es-ES" dirty="0"/>
+          </a:p>
+          <a:p>
+            <a:r>
+              <a:rPr lang="es-ES" dirty="0"/>
+              <a:t>Optimizar recursos (CPU, RAM, red)</a:t>
+            </a:r>
+          </a:p>
+          <a:p>
+            <a:endParaRPr lang="es-ES" dirty="0"/>
+          </a:p>
+          <a:p>
+            <a:r>
+              <a:rPr lang="es-ES" dirty="0"/>
+              <a:t>Aumentar la escalabilidad</a:t>
+            </a:r>
+          </a:p>
+        </p:txBody>
+      </p:sp>
+      <p:sp>
+        <p:nvSpPr>
+          <p:cNvPr id="4" name="Marcador de número de diapositiva 3">
+            <a:extLst>
+              <a:ext uri="{FF2B5EF4-FFF2-40B4-BE49-F238E27FC236}">
+                <a16:creationId xmlns:a16="http://schemas.microsoft.com/office/drawing/2014/main" id="{B16E08CE-29E7-EAD8-0C0A-52052B6DB8BF}"/>
+              </a:ext>
+            </a:extLst>
+          </p:cNvPr>
+          <p:cNvSpPr>
+            <a:spLocks noGrp="1"/>
+          </p:cNvSpPr>
+          <p:nvPr>
+            <p:ph type="sldNum" sz="quarter" idx="12"/>
+          </p:nvPr>
+        </p:nvSpPr>
+        <p:spPr/>
+        <p:txBody>
+          <a:bodyPr/>
+          <a:lstStyle/>
+          <a:p>
+            <a:fld id="{927B4081-9AA4-4402-8B96-87C4C53A8D10}" type="slidenum">
+              <a:rPr lang="es-ES" smtClean="0"/>
+              <a:t>11</a:t>
+            </a:fld>
+            <a:endParaRPr lang="es-ES"/>
+          </a:p>
+        </p:txBody>
+      </p:sp>
+    </p:spTree>
+    <p:extLst>
+      <p:ext uri="{BB962C8B-B14F-4D97-AF65-F5344CB8AC3E}">
+        <p14:creationId xmlns:p14="http://schemas.microsoft.com/office/powerpoint/2010/main" val="1717459755"/>
+      </p:ext>
+    </p:extLst>
+  </p:cSld>
+  <p:clrMapOvr>
+    <a:masterClrMapping/>
+  </p:clrMapOvr>
+</p:sld>
+</file>
+
+<file path=ppt/slides/slide12.xml><?xml version="1.0" encoding="utf-8"?>
+<p:sld xmlns:a="http://schemas.openxmlformats.org/drawingml/2006/main" xmlns:r="http://schemas.openxmlformats.org/officeDocument/2006/relationships" xmlns:p="http://schemas.openxmlformats.org/presentationml/2006/main">
+  <p:cSld>
+    <p:spTree>
+      <p:nvGrpSpPr>
+        <p:cNvPr id="1" name=""/>
+        <p:cNvGrpSpPr/>
+        <p:nvPr/>
+      </p:nvGrpSpPr>
+      <p:grpSpPr>
+        <a:xfrm>
+          <a:off x="0" y="0"/>
+          <a:ext cx="0" cy="0"/>
+          <a:chOff x="0" y="0"/>
+          <a:chExt cx="0" cy="0"/>
+        </a:xfrm>
+      </p:grpSpPr>
+      <p:sp>
+        <p:nvSpPr>
+          <p:cNvPr id="2" name="Título 1">
+            <a:extLst>
+              <a:ext uri="{FF2B5EF4-FFF2-40B4-BE49-F238E27FC236}">
+                <a16:creationId xmlns:a16="http://schemas.microsoft.com/office/drawing/2014/main" id="{CAC48B26-4CA1-904E-04EF-7E66663B526B}"/>
+              </a:ext>
+            </a:extLst>
+          </p:cNvPr>
+          <p:cNvSpPr>
+            <a:spLocks noGrp="1"/>
+          </p:cNvSpPr>
+          <p:nvPr>
+            <p:ph type="title"/>
+          </p:nvPr>
+        </p:nvSpPr>
+        <p:spPr/>
+        <p:txBody>
+          <a:bodyPr/>
+          <a:lstStyle/>
+          <a:p>
+            <a:r>
+              <a:rPr lang="es-ES" dirty="0"/>
+              <a:t>Herramientas Linux</a:t>
+            </a:r>
+          </a:p>
+        </p:txBody>
+      </p:sp>
+      <p:sp>
+        <p:nvSpPr>
+          <p:cNvPr id="4" name="Marcador de número de diapositiva 3">
+            <a:extLst>
+              <a:ext uri="{FF2B5EF4-FFF2-40B4-BE49-F238E27FC236}">
+                <a16:creationId xmlns:a16="http://schemas.microsoft.com/office/drawing/2014/main" id="{B526EC9F-3C4B-2072-258F-A796A4789F7B}"/>
+              </a:ext>
+            </a:extLst>
+          </p:cNvPr>
+          <p:cNvSpPr>
+            <a:spLocks noGrp="1"/>
+          </p:cNvSpPr>
+          <p:nvPr>
+            <p:ph type="sldNum" sz="quarter" idx="12"/>
+          </p:nvPr>
+        </p:nvSpPr>
+        <p:spPr/>
+        <p:txBody>
+          <a:bodyPr/>
+          <a:lstStyle/>
+          <a:p>
+            <a:fld id="{927B4081-9AA4-4402-8B96-87C4C53A8D10}" type="slidenum">
+              <a:rPr lang="es-ES" smtClean="0"/>
+              <a:t>12</a:t>
+            </a:fld>
+            <a:endParaRPr lang="es-ES"/>
+          </a:p>
+        </p:txBody>
+      </p:sp>
+      <p:pic>
+        <p:nvPicPr>
+          <p:cNvPr id="6" name="Imagen 5">
+            <a:extLst>
+              <a:ext uri="{FF2B5EF4-FFF2-40B4-BE49-F238E27FC236}">
+                <a16:creationId xmlns:a16="http://schemas.microsoft.com/office/drawing/2014/main" id="{74D19573-253F-86F0-2DF5-565EE1C09EF9}"/>
+              </a:ext>
+            </a:extLst>
+          </p:cNvPr>
+          <p:cNvPicPr>
+            <a:picLocks noChangeAspect="1"/>
+          </p:cNvPicPr>
+          <p:nvPr/>
+        </p:nvPicPr>
+        <p:blipFill>
+          <a:blip r:embed="rId2"/>
+          <a:stretch>
+            <a:fillRect/>
+          </a:stretch>
+        </p:blipFill>
+        <p:spPr>
+          <a:xfrm>
+            <a:off x="826592" y="1596861"/>
+            <a:ext cx="10527208" cy="3898966"/>
+          </a:xfrm>
+          <a:prstGeom prst="rect">
+            <a:avLst/>
+          </a:prstGeom>
+        </p:spPr>
+      </p:pic>
+    </p:spTree>
+    <p:extLst>
+      <p:ext uri="{BB962C8B-B14F-4D97-AF65-F5344CB8AC3E}">
+        <p14:creationId xmlns:p14="http://schemas.microsoft.com/office/powerpoint/2010/main" val="3038043771"/>
+      </p:ext>
+    </p:extLst>
+  </p:cSld>
+  <p:clrMapOvr>
+    <a:masterClrMapping/>
+  </p:clrMapOvr>
+</p:sld>
+</file>
+
+<file path=ppt/slides/slide13.xml><?xml version="1.0" encoding="utf-8"?>
+<p:sld xmlns:a="http://schemas.openxmlformats.org/drawingml/2006/main" xmlns:r="http://schemas.openxmlformats.org/officeDocument/2006/relationships" xmlns:p="http://schemas.openxmlformats.org/presentationml/2006/main">
+  <p:cSld>
+    <p:spTree>
+      <p:nvGrpSpPr>
+        <p:cNvPr id="1" name=""/>
+        <p:cNvGrpSpPr/>
+        <p:nvPr/>
+      </p:nvGrpSpPr>
+      <p:grpSpPr>
+        <a:xfrm>
+          <a:off x="0" y="0"/>
+          <a:ext cx="0" cy="0"/>
+          <a:chOff x="0" y="0"/>
+          <a:chExt cx="0" cy="0"/>
+        </a:xfrm>
+      </p:grpSpPr>
+      <p:sp>
+        <p:nvSpPr>
+          <p:cNvPr id="2" name="Título 1">
+            <a:extLst>
+              <a:ext uri="{FF2B5EF4-FFF2-40B4-BE49-F238E27FC236}">
+                <a16:creationId xmlns:a16="http://schemas.microsoft.com/office/drawing/2014/main" id="{CC354622-AC56-20C7-AAB1-4C56B7AA4DF7}"/>
+              </a:ext>
+            </a:extLst>
+          </p:cNvPr>
+          <p:cNvSpPr>
+            <a:spLocks noGrp="1"/>
+          </p:cNvSpPr>
+          <p:nvPr>
+            <p:ph type="title"/>
+          </p:nvPr>
+        </p:nvSpPr>
+        <p:spPr/>
+        <p:txBody>
+          <a:bodyPr/>
+          <a:lstStyle/>
+          <a:p>
+            <a:r>
+              <a:rPr lang="es-ES" dirty="0"/>
+              <a:t>Herramientas Windows</a:t>
+            </a:r>
+          </a:p>
+        </p:txBody>
+      </p:sp>
+      <p:sp>
+        <p:nvSpPr>
+          <p:cNvPr id="3" name="Marcador de contenido 2">
+            <a:extLst>
+              <a:ext uri="{FF2B5EF4-FFF2-40B4-BE49-F238E27FC236}">
+                <a16:creationId xmlns:a16="http://schemas.microsoft.com/office/drawing/2014/main" id="{46C65C27-D0CD-5A26-F542-70AF172885C4}"/>
+              </a:ext>
+            </a:extLst>
+          </p:cNvPr>
+          <p:cNvSpPr>
+            <a:spLocks noGrp="1"/>
+          </p:cNvSpPr>
+          <p:nvPr>
+            <p:ph idx="1"/>
+          </p:nvPr>
+        </p:nvSpPr>
+        <p:spPr>
+          <a:xfrm>
+            <a:off x="838200" y="5081047"/>
+            <a:ext cx="10515600" cy="1095916"/>
+          </a:xfrm>
+        </p:spPr>
+        <p:txBody>
+          <a:bodyPr>
+            <a:normAutofit fontScale="92500" lnSpcReduction="20000"/>
+          </a:bodyPr>
+          <a:lstStyle/>
+          <a:p>
+            <a:endParaRPr lang="es-ES" dirty="0"/>
+          </a:p>
+          <a:p>
+            <a:r>
+              <a:rPr lang="es-ES" dirty="0"/>
+              <a:t>En Windows podemos instalar los comandos de Linux en WSL (ojo utilizar </a:t>
+            </a:r>
+            <a:r>
+              <a:rPr lang="es-ES" b="1" dirty="0"/>
+              <a:t>WSL 2</a:t>
+            </a:r>
+            <a:r>
+              <a:rPr lang="es-ES" dirty="0"/>
+              <a:t>).</a:t>
+            </a:r>
+          </a:p>
+        </p:txBody>
+      </p:sp>
+      <p:sp>
+        <p:nvSpPr>
+          <p:cNvPr id="4" name="Marcador de número de diapositiva 3">
+            <a:extLst>
+              <a:ext uri="{FF2B5EF4-FFF2-40B4-BE49-F238E27FC236}">
+                <a16:creationId xmlns:a16="http://schemas.microsoft.com/office/drawing/2014/main" id="{FA947B02-950B-AA17-6E7F-D09C8849DBBE}"/>
+              </a:ext>
+            </a:extLst>
+          </p:cNvPr>
+          <p:cNvSpPr>
+            <a:spLocks noGrp="1"/>
+          </p:cNvSpPr>
+          <p:nvPr>
+            <p:ph type="sldNum" sz="quarter" idx="12"/>
+          </p:nvPr>
+        </p:nvSpPr>
+        <p:spPr/>
+        <p:txBody>
+          <a:bodyPr/>
+          <a:lstStyle/>
+          <a:p>
+            <a:fld id="{927B4081-9AA4-4402-8B96-87C4C53A8D10}" type="slidenum">
+              <a:rPr lang="es-ES" smtClean="0"/>
+              <a:t>13</a:t>
+            </a:fld>
+            <a:endParaRPr lang="es-ES"/>
+          </a:p>
+        </p:txBody>
+      </p:sp>
+      <p:pic>
+        <p:nvPicPr>
+          <p:cNvPr id="6" name="Imagen 5">
+            <a:extLst>
+              <a:ext uri="{FF2B5EF4-FFF2-40B4-BE49-F238E27FC236}">
+                <a16:creationId xmlns:a16="http://schemas.microsoft.com/office/drawing/2014/main" id="{51BF988A-E7E7-3F46-E6D7-000027B17A3B}"/>
+              </a:ext>
+            </a:extLst>
+          </p:cNvPr>
+          <p:cNvPicPr>
+            <a:picLocks noChangeAspect="1"/>
+          </p:cNvPicPr>
+          <p:nvPr/>
+        </p:nvPicPr>
+        <p:blipFill>
+          <a:blip r:embed="rId2"/>
+          <a:stretch>
+            <a:fillRect/>
+          </a:stretch>
+        </p:blipFill>
+        <p:spPr>
+          <a:xfrm>
+            <a:off x="838200" y="1559055"/>
+            <a:ext cx="9597272" cy="3566646"/>
+          </a:xfrm>
+          <a:prstGeom prst="rect">
+            <a:avLst/>
+          </a:prstGeom>
+        </p:spPr>
+      </p:pic>
+    </p:spTree>
+    <p:extLst>
+      <p:ext uri="{BB962C8B-B14F-4D97-AF65-F5344CB8AC3E}">
+        <p14:creationId xmlns:p14="http://schemas.microsoft.com/office/powerpoint/2010/main" val="1928445781"/>
+      </p:ext>
+    </p:extLst>
+  </p:cSld>
+  <p:clrMapOvr>
+    <a:masterClrMapping/>
+  </p:clrMapOvr>
+</p:sld>
+</file>
+
+<file path=ppt/slides/slide14.xml><?xml version="1.0" encoding="utf-8"?>
+<p:sld xmlns:a="http://schemas.openxmlformats.org/drawingml/2006/main" xmlns:r="http://schemas.openxmlformats.org/officeDocument/2006/relationships" xmlns:p="http://schemas.openxmlformats.org/presentationml/2006/main">
+  <p:cSld>
+    <p:spTree>
+      <p:nvGrpSpPr>
+        <p:cNvPr id="1" name=""/>
+        <p:cNvGrpSpPr/>
+        <p:nvPr/>
+      </p:nvGrpSpPr>
+      <p:grpSpPr>
+        <a:xfrm>
+          <a:off x="0" y="0"/>
+          <a:ext cx="0" cy="0"/>
+          <a:chOff x="0" y="0"/>
+          <a:chExt cx="0" cy="0"/>
+        </a:xfrm>
+      </p:grpSpPr>
+      <p:sp>
+        <p:nvSpPr>
+          <p:cNvPr id="2" name="Título 1">
+            <a:extLst>
+              <a:ext uri="{FF2B5EF4-FFF2-40B4-BE49-F238E27FC236}">
+                <a16:creationId xmlns:a16="http://schemas.microsoft.com/office/drawing/2014/main" id="{F9D3B105-2525-FFE0-1C07-7AA451C2C88C}"/>
+              </a:ext>
+            </a:extLst>
+          </p:cNvPr>
+          <p:cNvSpPr>
+            <a:spLocks noGrp="1"/>
+          </p:cNvSpPr>
+          <p:nvPr>
+            <p:ph type="title"/>
+          </p:nvPr>
+        </p:nvSpPr>
+        <p:spPr/>
+        <p:txBody>
+          <a:bodyPr/>
+          <a:lstStyle/>
+          <a:p>
+            <a:r>
+              <a:rPr lang="es-ES" dirty="0"/>
+              <a:t>Herramientas </a:t>
+            </a:r>
+          </a:p>
+        </p:txBody>
+      </p:sp>
+      <p:sp>
+        <p:nvSpPr>
+          <p:cNvPr id="3" name="Marcador de contenido 2">
+            <a:extLst>
+              <a:ext uri="{FF2B5EF4-FFF2-40B4-BE49-F238E27FC236}">
+                <a16:creationId xmlns:a16="http://schemas.microsoft.com/office/drawing/2014/main" id="{F4F4B1CC-3223-624E-2929-45CDF0850A05}"/>
+              </a:ext>
+            </a:extLst>
+          </p:cNvPr>
+          <p:cNvSpPr>
+            <a:spLocks noGrp="1"/>
+          </p:cNvSpPr>
+          <p:nvPr>
+            <p:ph idx="1"/>
+          </p:nvPr>
+        </p:nvSpPr>
+        <p:spPr/>
+        <p:txBody>
+          <a:bodyPr/>
+          <a:lstStyle/>
+          <a:p>
+            <a:r>
+              <a:rPr lang="es-ES" b="1" dirty="0" err="1"/>
+              <a:t>valgrind</a:t>
+            </a:r>
+            <a:r>
+              <a:rPr lang="es-ES" dirty="0"/>
+              <a:t>	</a:t>
+            </a:r>
+          </a:p>
+          <a:p>
+            <a:pPr lvl="1"/>
+            <a:r>
+              <a:rPr lang="es-ES" dirty="0"/>
+              <a:t>Detecta fugas de memoria, errores de acceso, y </a:t>
+            </a:r>
+            <a:r>
+              <a:rPr lang="es-ES" dirty="0" err="1"/>
+              <a:t>profiling</a:t>
+            </a:r>
+            <a:r>
+              <a:rPr lang="es-ES" dirty="0"/>
+              <a:t> básico.</a:t>
+            </a:r>
+          </a:p>
+          <a:p>
+            <a:pPr lvl="1"/>
+            <a:r>
+              <a:rPr lang="es-ES" dirty="0">
+                <a:hlinkClick r:id="rId2"/>
+              </a:rPr>
+              <a:t>https://valgrind.org/</a:t>
+            </a:r>
+            <a:endParaRPr lang="es-ES" dirty="0"/>
+          </a:p>
+          <a:p>
+            <a:pPr lvl="1"/>
+            <a:endParaRPr lang="es-ES" dirty="0"/>
+          </a:p>
+          <a:p>
+            <a:r>
+              <a:rPr lang="es-ES" b="1" dirty="0" err="1"/>
+              <a:t>gprof</a:t>
+            </a:r>
+            <a:endParaRPr lang="es-ES" b="1" dirty="0"/>
+          </a:p>
+          <a:p>
+            <a:pPr lvl="1"/>
+            <a:r>
+              <a:rPr lang="es-ES" dirty="0"/>
+              <a:t>Genera perfiles de tiempo de ejecución por función</a:t>
+            </a:r>
+          </a:p>
+          <a:p>
+            <a:pPr lvl="1"/>
+            <a:endParaRPr lang="es-ES" dirty="0"/>
+          </a:p>
+          <a:p>
+            <a:r>
+              <a:rPr lang="es-ES" b="1" dirty="0" err="1"/>
+              <a:t>perf</a:t>
+            </a:r>
+            <a:r>
+              <a:rPr lang="es-ES" dirty="0"/>
+              <a:t> (Linux)</a:t>
+            </a:r>
+          </a:p>
+          <a:p>
+            <a:pPr lvl="1"/>
+            <a:r>
+              <a:rPr lang="es-ES" dirty="0"/>
+              <a:t>Herramientas de bajo nivel para análisis de CPU y eventos.</a:t>
+            </a:r>
+          </a:p>
+          <a:p>
+            <a:endParaRPr lang="es-ES" dirty="0"/>
+          </a:p>
+        </p:txBody>
+      </p:sp>
+      <p:sp>
+        <p:nvSpPr>
+          <p:cNvPr id="4" name="Marcador de número de diapositiva 3">
+            <a:extLst>
+              <a:ext uri="{FF2B5EF4-FFF2-40B4-BE49-F238E27FC236}">
+                <a16:creationId xmlns:a16="http://schemas.microsoft.com/office/drawing/2014/main" id="{1ED9BFCC-35EF-00AD-3DAF-84697A25A270}"/>
+              </a:ext>
+            </a:extLst>
+          </p:cNvPr>
+          <p:cNvSpPr>
+            <a:spLocks noGrp="1"/>
+          </p:cNvSpPr>
+          <p:nvPr>
+            <p:ph type="sldNum" sz="quarter" idx="12"/>
+          </p:nvPr>
+        </p:nvSpPr>
+        <p:spPr/>
+        <p:txBody>
+          <a:bodyPr/>
+          <a:lstStyle/>
+          <a:p>
+            <a:fld id="{927B4081-9AA4-4402-8B96-87C4C53A8D10}" type="slidenum">
+              <a:rPr lang="es-ES" smtClean="0"/>
+              <a:t>14</a:t>
+            </a:fld>
+            <a:endParaRPr lang="es-ES"/>
+          </a:p>
+        </p:txBody>
+      </p:sp>
+    </p:spTree>
+    <p:extLst>
+      <p:ext uri="{BB962C8B-B14F-4D97-AF65-F5344CB8AC3E}">
+        <p14:creationId xmlns:p14="http://schemas.microsoft.com/office/powerpoint/2010/main" val="134880538"/>
+      </p:ext>
+    </p:extLst>
+  </p:cSld>
+  <p:clrMapOvr>
+    <a:masterClrMapping/>
+  </p:clrMapOvr>
+</p:sld>
+</file>
+
+<file path=ppt/slides/slide15.xml><?xml version="1.0" encoding="utf-8"?>
+<p:sld xmlns:a="http://schemas.openxmlformats.org/drawingml/2006/main" xmlns:r="http://schemas.openxmlformats.org/officeDocument/2006/relationships" xmlns:p="http://schemas.openxmlformats.org/presentationml/2006/main">
+  <p:cSld>
+    <p:spTree>
+      <p:nvGrpSpPr>
+        <p:cNvPr id="1" name=""/>
+        <p:cNvGrpSpPr/>
+        <p:nvPr/>
+      </p:nvGrpSpPr>
+      <p:grpSpPr>
+        <a:xfrm>
+          <a:off x="0" y="0"/>
+          <a:ext cx="0" cy="0"/>
+          <a:chOff x="0" y="0"/>
+          <a:chExt cx="0" cy="0"/>
+        </a:xfrm>
+      </p:grpSpPr>
+      <p:sp>
+        <p:nvSpPr>
+          <p:cNvPr id="2" name="Título 1">
+            <a:extLst>
+              <a:ext uri="{FF2B5EF4-FFF2-40B4-BE49-F238E27FC236}">
+                <a16:creationId xmlns:a16="http://schemas.microsoft.com/office/drawing/2014/main" id="{DE52F2E4-9A5F-B833-8BE6-0F54942C8545}"/>
+              </a:ext>
+            </a:extLst>
+          </p:cNvPr>
+          <p:cNvSpPr>
+            <a:spLocks noGrp="1"/>
+          </p:cNvSpPr>
+          <p:nvPr>
+            <p:ph type="title"/>
+          </p:nvPr>
+        </p:nvSpPr>
+        <p:spPr/>
+        <p:txBody>
+          <a:bodyPr/>
+          <a:lstStyle/>
+          <a:p>
+            <a:r>
+              <a:rPr lang="es-ES" dirty="0" err="1"/>
+              <a:t>Valgrind</a:t>
+            </a:r>
+            <a:r>
+              <a:rPr lang="es-ES" dirty="0"/>
+              <a:t>: instalación en WSL2</a:t>
+            </a:r>
+          </a:p>
+        </p:txBody>
+      </p:sp>
+      <p:sp>
+        <p:nvSpPr>
+          <p:cNvPr id="3" name="Marcador de contenido 2">
+            <a:extLst>
+              <a:ext uri="{FF2B5EF4-FFF2-40B4-BE49-F238E27FC236}">
+                <a16:creationId xmlns:a16="http://schemas.microsoft.com/office/drawing/2014/main" id="{534991D6-2BA4-2A33-BF89-81048F8ECEB1}"/>
+              </a:ext>
+            </a:extLst>
+          </p:cNvPr>
+          <p:cNvSpPr>
+            <a:spLocks noGrp="1"/>
+          </p:cNvSpPr>
+          <p:nvPr>
+            <p:ph idx="1"/>
+          </p:nvPr>
+        </p:nvSpPr>
+        <p:spPr/>
+        <p:txBody>
+          <a:bodyPr/>
+          <a:lstStyle/>
+          <a:p>
+            <a:pPr marL="0" indent="0">
+              <a:buNone/>
+            </a:pPr>
+            <a:r>
+              <a:rPr lang="es-ES" dirty="0"/>
+              <a:t>sudo </a:t>
+            </a:r>
+            <a:r>
+              <a:rPr lang="es-ES" dirty="0" err="1"/>
+              <a:t>apt</a:t>
+            </a:r>
+            <a:r>
+              <a:rPr lang="es-ES" dirty="0"/>
+              <a:t> </a:t>
+            </a:r>
+            <a:r>
+              <a:rPr lang="es-ES" dirty="0" err="1"/>
+              <a:t>update</a:t>
+            </a:r>
+            <a:endParaRPr lang="es-ES" dirty="0"/>
+          </a:p>
+          <a:p>
+            <a:pPr marL="0" indent="0">
+              <a:buNone/>
+            </a:pPr>
+            <a:r>
+              <a:rPr lang="es-ES" dirty="0"/>
+              <a:t>sudo </a:t>
+            </a:r>
+            <a:r>
+              <a:rPr lang="es-ES" dirty="0" err="1"/>
+              <a:t>apt</a:t>
+            </a:r>
+            <a:r>
+              <a:rPr lang="es-ES" dirty="0"/>
+              <a:t> </a:t>
+            </a:r>
+            <a:r>
+              <a:rPr lang="es-ES" dirty="0" err="1"/>
+              <a:t>install</a:t>
+            </a:r>
+            <a:r>
+              <a:rPr lang="es-ES" dirty="0"/>
+              <a:t> -y </a:t>
+            </a:r>
+            <a:r>
+              <a:rPr lang="es-ES" dirty="0" err="1"/>
+              <a:t>build-essential</a:t>
+            </a:r>
+            <a:r>
+              <a:rPr lang="es-ES" dirty="0"/>
+              <a:t> </a:t>
+            </a:r>
+            <a:r>
+              <a:rPr lang="es-ES" dirty="0" err="1"/>
+              <a:t>make</a:t>
+            </a:r>
+            <a:r>
+              <a:rPr lang="es-ES" dirty="0"/>
+              <a:t> g++ </a:t>
+            </a:r>
+            <a:r>
+              <a:rPr lang="es-ES" dirty="0" err="1"/>
+              <a:t>wget</a:t>
+            </a:r>
+            <a:endParaRPr lang="es-ES" dirty="0"/>
+          </a:p>
+          <a:p>
+            <a:pPr marL="0" indent="0">
+              <a:buNone/>
+            </a:pPr>
+            <a:r>
+              <a:rPr lang="es-ES" dirty="0" err="1"/>
+              <a:t>wget</a:t>
+            </a:r>
+            <a:r>
+              <a:rPr lang="es-ES" dirty="0"/>
+              <a:t> https://sourceware.org/pub/valgrind/valgrind-3.25.1.tar.bz2</a:t>
+            </a:r>
+          </a:p>
+          <a:p>
+            <a:pPr marL="0" indent="0">
+              <a:buNone/>
+            </a:pPr>
+            <a:r>
+              <a:rPr lang="es-ES" dirty="0" err="1"/>
+              <a:t>tar</a:t>
+            </a:r>
+            <a:r>
+              <a:rPr lang="es-ES" dirty="0"/>
+              <a:t> -</a:t>
+            </a:r>
+            <a:r>
+              <a:rPr lang="es-ES" dirty="0" err="1"/>
+              <a:t>xvjf</a:t>
+            </a:r>
+            <a:r>
+              <a:rPr lang="es-ES" dirty="0"/>
+              <a:t> valgrind-3.25.1.tar.bz2</a:t>
+            </a:r>
+          </a:p>
+          <a:p>
+            <a:pPr marL="0" indent="0">
+              <a:buNone/>
+            </a:pPr>
+            <a:r>
+              <a:rPr lang="es-ES" dirty="0"/>
+              <a:t>cd valgrind-3.25.1</a:t>
+            </a:r>
+          </a:p>
+          <a:p>
+            <a:pPr marL="0" indent="0">
+              <a:buNone/>
+            </a:pPr>
+            <a:r>
+              <a:rPr lang="es-ES" dirty="0"/>
+              <a:t>./configure</a:t>
+            </a:r>
+          </a:p>
+          <a:p>
+            <a:pPr marL="0" indent="0">
+              <a:buNone/>
+            </a:pPr>
+            <a:r>
+              <a:rPr lang="es-ES" dirty="0" err="1"/>
+              <a:t>make</a:t>
+            </a:r>
+            <a:endParaRPr lang="es-ES" dirty="0"/>
+          </a:p>
+          <a:p>
+            <a:pPr marL="0" indent="0">
+              <a:buNone/>
+            </a:pPr>
+            <a:r>
+              <a:rPr lang="es-ES" dirty="0"/>
+              <a:t>sudo </a:t>
+            </a:r>
+            <a:r>
+              <a:rPr lang="es-ES" dirty="0" err="1"/>
+              <a:t>make</a:t>
+            </a:r>
+            <a:r>
+              <a:rPr lang="es-ES" dirty="0"/>
+              <a:t> </a:t>
+            </a:r>
+            <a:r>
+              <a:rPr lang="es-ES" dirty="0" err="1"/>
+              <a:t>install</a:t>
+            </a:r>
+            <a:endParaRPr lang="es-ES" dirty="0"/>
+          </a:p>
+          <a:p>
+            <a:endParaRPr lang="es-ES" dirty="0"/>
+          </a:p>
+        </p:txBody>
+      </p:sp>
+      <p:sp>
+        <p:nvSpPr>
+          <p:cNvPr id="4" name="Marcador de número de diapositiva 3">
+            <a:extLst>
+              <a:ext uri="{FF2B5EF4-FFF2-40B4-BE49-F238E27FC236}">
+                <a16:creationId xmlns:a16="http://schemas.microsoft.com/office/drawing/2014/main" id="{5B7526CE-D118-418C-78B8-C3CAF24B3D7A}"/>
+              </a:ext>
+            </a:extLst>
+          </p:cNvPr>
+          <p:cNvSpPr>
+            <a:spLocks noGrp="1"/>
+          </p:cNvSpPr>
+          <p:nvPr>
+            <p:ph type="sldNum" sz="quarter" idx="12"/>
+          </p:nvPr>
+        </p:nvSpPr>
+        <p:spPr/>
+        <p:txBody>
+          <a:bodyPr/>
+          <a:lstStyle/>
+          <a:p>
+            <a:fld id="{927B4081-9AA4-4402-8B96-87C4C53A8D10}" type="slidenum">
+              <a:rPr lang="es-ES" smtClean="0"/>
+              <a:t>15</a:t>
+            </a:fld>
+            <a:endParaRPr lang="es-ES"/>
+          </a:p>
+        </p:txBody>
+      </p:sp>
+    </p:spTree>
+    <p:extLst>
+      <p:ext uri="{BB962C8B-B14F-4D97-AF65-F5344CB8AC3E}">
+        <p14:creationId xmlns:p14="http://schemas.microsoft.com/office/powerpoint/2010/main" val="2410354601"/>
+      </p:ext>
+    </p:extLst>
+  </p:cSld>
+  <p:clrMapOvr>
+    <a:masterClrMapping/>
+  </p:clrMapOvr>
+</p:sld>
+</file>
+
+<file path=ppt/slides/slide16.xml><?xml version="1.0" encoding="utf-8"?>
+<p:sld xmlns:a="http://schemas.openxmlformats.org/drawingml/2006/main" xmlns:r="http://schemas.openxmlformats.org/officeDocument/2006/relationships" xmlns:p="http://schemas.openxmlformats.org/presentationml/2006/main">
+  <p:cSld>
+    <p:spTree>
+      <p:nvGrpSpPr>
+        <p:cNvPr id="1" name=""/>
+        <p:cNvGrpSpPr/>
+        <p:nvPr/>
+      </p:nvGrpSpPr>
+      <p:grpSpPr>
+        <a:xfrm>
+          <a:off x="0" y="0"/>
+          <a:ext cx="0" cy="0"/>
+          <a:chOff x="0" y="0"/>
+          <a:chExt cx="0" cy="0"/>
+        </a:xfrm>
+      </p:grpSpPr>
+      <p:sp>
+        <p:nvSpPr>
+          <p:cNvPr id="2" name="Título 1">
+            <a:extLst>
+              <a:ext uri="{FF2B5EF4-FFF2-40B4-BE49-F238E27FC236}">
+                <a16:creationId xmlns:a16="http://schemas.microsoft.com/office/drawing/2014/main" id="{5E61B26B-ECBA-61F8-84F1-D42586B74F81}"/>
+              </a:ext>
+            </a:extLst>
+          </p:cNvPr>
+          <p:cNvSpPr>
+            <a:spLocks noGrp="1"/>
+          </p:cNvSpPr>
+          <p:nvPr>
+            <p:ph type="title"/>
+          </p:nvPr>
+        </p:nvSpPr>
+        <p:spPr/>
+        <p:txBody>
+          <a:bodyPr/>
+          <a:lstStyle/>
+          <a:p>
+            <a:r>
+              <a:rPr lang="es-ES" dirty="0" err="1"/>
+              <a:t>Valgrind</a:t>
+            </a:r>
+            <a:endParaRPr lang="es-ES" dirty="0"/>
+          </a:p>
+        </p:txBody>
+      </p:sp>
+      <p:sp>
+        <p:nvSpPr>
+          <p:cNvPr id="3" name="Marcador de contenido 2">
+            <a:extLst>
+              <a:ext uri="{FF2B5EF4-FFF2-40B4-BE49-F238E27FC236}">
+                <a16:creationId xmlns:a16="http://schemas.microsoft.com/office/drawing/2014/main" id="{D32F0DF4-9DFD-2BB3-4FCE-772089E59103}"/>
+              </a:ext>
+            </a:extLst>
+          </p:cNvPr>
+          <p:cNvSpPr>
+            <a:spLocks noGrp="1"/>
+          </p:cNvSpPr>
+          <p:nvPr>
+            <p:ph idx="1"/>
+          </p:nvPr>
+        </p:nvSpPr>
+        <p:spPr/>
+        <p:txBody>
+          <a:bodyPr/>
+          <a:lstStyle/>
+          <a:p>
+            <a:r>
+              <a:rPr lang="es-ES" dirty="0"/>
+              <a:t>Podemos </a:t>
+            </a:r>
+            <a:r>
+              <a:rPr lang="es-ES" b="1" dirty="0"/>
+              <a:t>detectar</a:t>
+            </a:r>
+            <a:r>
+              <a:rPr lang="es-ES" dirty="0"/>
+              <a:t>:</a:t>
+            </a:r>
+          </a:p>
+          <a:p>
+            <a:pPr lvl="1"/>
+            <a:r>
+              <a:rPr lang="es-ES" dirty="0"/>
+              <a:t>Fugas de memoria en las clases que utilizan memoria dinámica</a:t>
+            </a:r>
+          </a:p>
+          <a:p>
+            <a:pPr lvl="1"/>
+            <a:r>
+              <a:rPr lang="es-ES" dirty="0"/>
+              <a:t>Accesos inválidos a memoria.</a:t>
+            </a:r>
+          </a:p>
+          <a:p>
+            <a:pPr lvl="1"/>
+            <a:r>
+              <a:rPr lang="es-ES" dirty="0"/>
+              <a:t>Uso incorrecto de new / </a:t>
+            </a:r>
+            <a:r>
+              <a:rPr lang="es-ES" dirty="0" err="1"/>
+              <a:t>delete</a:t>
+            </a:r>
+            <a:r>
+              <a:rPr lang="es-ES" dirty="0"/>
+              <a:t> o </a:t>
+            </a:r>
+            <a:r>
+              <a:rPr lang="es-ES" dirty="0" err="1"/>
+              <a:t>malloc</a:t>
+            </a:r>
+            <a:r>
+              <a:rPr lang="es-ES" dirty="0"/>
+              <a:t> / free</a:t>
+            </a:r>
+          </a:p>
+          <a:p>
+            <a:pPr lvl="1"/>
+            <a:r>
+              <a:rPr lang="es-ES" dirty="0"/>
+              <a:t>Consumo excesivo del </a:t>
+            </a:r>
+            <a:r>
+              <a:rPr lang="es-ES" dirty="0" err="1"/>
+              <a:t>Heap</a:t>
+            </a:r>
+            <a:endParaRPr lang="es-ES" dirty="0"/>
+          </a:p>
+          <a:p>
+            <a:pPr lvl="1"/>
+            <a:endParaRPr lang="es-ES" dirty="0"/>
+          </a:p>
+          <a:p>
+            <a:pPr lvl="1"/>
+            <a:endParaRPr lang="es-ES" dirty="0"/>
+          </a:p>
+          <a:p>
+            <a:r>
+              <a:rPr lang="es-ES" b="1" dirty="0"/>
+              <a:t>Aplicarlo</a:t>
+            </a:r>
+            <a:r>
+              <a:rPr lang="es-ES" dirty="0"/>
+              <a:t>:</a:t>
+            </a:r>
+          </a:p>
+          <a:p>
+            <a:pPr lvl="1"/>
+            <a:r>
+              <a:rPr lang="es-ES" dirty="0" err="1"/>
+              <a:t>valgrind</a:t>
+            </a:r>
+            <a:r>
+              <a:rPr lang="es-ES" dirty="0"/>
+              <a:t> --</a:t>
+            </a:r>
+            <a:r>
+              <a:rPr lang="es-ES" dirty="0" err="1"/>
+              <a:t>tool</a:t>
+            </a:r>
+            <a:r>
+              <a:rPr lang="es-ES" dirty="0"/>
+              <a:t>=</a:t>
+            </a:r>
+            <a:r>
+              <a:rPr lang="es-ES" dirty="0" err="1"/>
+              <a:t>memcheck</a:t>
+            </a:r>
+            <a:r>
+              <a:rPr lang="es-ES" dirty="0"/>
+              <a:t> ./microservicio</a:t>
+            </a:r>
+          </a:p>
+        </p:txBody>
+      </p:sp>
+      <p:sp>
+        <p:nvSpPr>
+          <p:cNvPr id="4" name="Marcador de número de diapositiva 3">
+            <a:extLst>
+              <a:ext uri="{FF2B5EF4-FFF2-40B4-BE49-F238E27FC236}">
+                <a16:creationId xmlns:a16="http://schemas.microsoft.com/office/drawing/2014/main" id="{A1B4D82E-FA78-13B1-E4B4-08767705898A}"/>
+              </a:ext>
+            </a:extLst>
+          </p:cNvPr>
+          <p:cNvSpPr>
+            <a:spLocks noGrp="1"/>
+          </p:cNvSpPr>
+          <p:nvPr>
+            <p:ph type="sldNum" sz="quarter" idx="12"/>
+          </p:nvPr>
+        </p:nvSpPr>
+        <p:spPr/>
+        <p:txBody>
+          <a:bodyPr/>
+          <a:lstStyle/>
+          <a:p>
+            <a:fld id="{927B4081-9AA4-4402-8B96-87C4C53A8D10}" type="slidenum">
+              <a:rPr lang="es-ES" smtClean="0"/>
+              <a:t>16</a:t>
+            </a:fld>
+            <a:endParaRPr lang="es-ES"/>
+          </a:p>
+        </p:txBody>
+      </p:sp>
+    </p:spTree>
+    <p:extLst>
+      <p:ext uri="{BB962C8B-B14F-4D97-AF65-F5344CB8AC3E}">
+        <p14:creationId xmlns:p14="http://schemas.microsoft.com/office/powerpoint/2010/main" val="19944860"/>
+      </p:ext>
+    </p:extLst>
+  </p:cSld>
+  <p:clrMapOvr>
+    <a:masterClrMapping/>
+  </p:clrMapOvr>
+</p:sld>
+</file>
+
+<file path=ppt/slides/slide17.xml><?xml version="1.0" encoding="utf-8"?>
+<p:sld xmlns:a="http://schemas.openxmlformats.org/drawingml/2006/main" xmlns:r="http://schemas.openxmlformats.org/officeDocument/2006/relationships" xmlns:p="http://schemas.openxmlformats.org/presentationml/2006/main">
+  <p:cSld>
+    <p:spTree>
+      <p:nvGrpSpPr>
+        <p:cNvPr id="1" name=""/>
+        <p:cNvGrpSpPr/>
+        <p:nvPr/>
+      </p:nvGrpSpPr>
+      <p:grpSpPr>
+        <a:xfrm>
+          <a:off x="0" y="0"/>
+          <a:ext cx="0" cy="0"/>
+          <a:chOff x="0" y="0"/>
+          <a:chExt cx="0" cy="0"/>
+        </a:xfrm>
+      </p:grpSpPr>
+      <p:sp>
+        <p:nvSpPr>
+          <p:cNvPr id="2" name="Título 1">
+            <a:extLst>
+              <a:ext uri="{FF2B5EF4-FFF2-40B4-BE49-F238E27FC236}">
+                <a16:creationId xmlns:a16="http://schemas.microsoft.com/office/drawing/2014/main" id="{10087365-9647-5121-CDCD-5813C4CE14FD}"/>
+              </a:ext>
+            </a:extLst>
+          </p:cNvPr>
+          <p:cNvSpPr>
+            <a:spLocks noGrp="1"/>
+          </p:cNvSpPr>
+          <p:nvPr>
+            <p:ph type="title"/>
+          </p:nvPr>
+        </p:nvSpPr>
+        <p:spPr/>
+        <p:txBody>
+          <a:bodyPr/>
+          <a:lstStyle/>
+          <a:p>
+            <a:r>
+              <a:rPr lang="es-ES" dirty="0" err="1"/>
+              <a:t>Gprof</a:t>
+            </a:r>
+            <a:r>
+              <a:rPr lang="es-ES" dirty="0"/>
+              <a:t>: instalación en WSL2</a:t>
+            </a:r>
+          </a:p>
+        </p:txBody>
+      </p:sp>
+      <p:sp>
+        <p:nvSpPr>
+          <p:cNvPr id="3" name="Marcador de contenido 2">
+            <a:extLst>
+              <a:ext uri="{FF2B5EF4-FFF2-40B4-BE49-F238E27FC236}">
+                <a16:creationId xmlns:a16="http://schemas.microsoft.com/office/drawing/2014/main" id="{7960A517-0EA4-4450-07CD-15F3F6FB536B}"/>
+              </a:ext>
+            </a:extLst>
+          </p:cNvPr>
+          <p:cNvSpPr>
+            <a:spLocks noGrp="1"/>
+          </p:cNvSpPr>
+          <p:nvPr>
+            <p:ph idx="1"/>
+          </p:nvPr>
+        </p:nvSpPr>
+        <p:spPr/>
+        <p:txBody>
+          <a:bodyPr/>
+          <a:lstStyle/>
+          <a:p>
+            <a:endParaRPr lang="es-ES"/>
+          </a:p>
+        </p:txBody>
+      </p:sp>
+      <p:sp>
+        <p:nvSpPr>
+          <p:cNvPr id="4" name="Marcador de número de diapositiva 3">
+            <a:extLst>
+              <a:ext uri="{FF2B5EF4-FFF2-40B4-BE49-F238E27FC236}">
+                <a16:creationId xmlns:a16="http://schemas.microsoft.com/office/drawing/2014/main" id="{C1471FE0-986F-97C3-E47A-2D54256E0BB4}"/>
+              </a:ext>
+            </a:extLst>
+          </p:cNvPr>
+          <p:cNvSpPr>
+            <a:spLocks noGrp="1"/>
+          </p:cNvSpPr>
+          <p:nvPr>
+            <p:ph type="sldNum" sz="quarter" idx="12"/>
+          </p:nvPr>
+        </p:nvSpPr>
+        <p:spPr/>
+        <p:txBody>
+          <a:bodyPr/>
+          <a:lstStyle/>
+          <a:p>
+            <a:fld id="{927B4081-9AA4-4402-8B96-87C4C53A8D10}" type="slidenum">
+              <a:rPr lang="es-ES" smtClean="0"/>
+              <a:t>17</a:t>
+            </a:fld>
+            <a:endParaRPr lang="es-ES"/>
+          </a:p>
+        </p:txBody>
+      </p:sp>
+    </p:spTree>
+    <p:extLst>
+      <p:ext uri="{BB962C8B-B14F-4D97-AF65-F5344CB8AC3E}">
+        <p14:creationId xmlns:p14="http://schemas.microsoft.com/office/powerpoint/2010/main" val="2495934522"/>
+      </p:ext>
+    </p:extLst>
+  </p:cSld>
+  <p:clrMapOvr>
+    <a:masterClrMapping/>
+  </p:clrMapOvr>
+</p:sld>
+</file>
+
+<file path=ppt/slides/slide18.xml><?xml version="1.0" encoding="utf-8"?>
+<p:sld xmlns:a="http://schemas.openxmlformats.org/drawingml/2006/main" xmlns:r="http://schemas.openxmlformats.org/officeDocument/2006/relationships" xmlns:p="http://schemas.openxmlformats.org/presentationml/2006/main">
+  <p:cSld>
+    <p:spTree>
+      <p:nvGrpSpPr>
+        <p:cNvPr id="1" name=""/>
+        <p:cNvGrpSpPr/>
+        <p:nvPr/>
+      </p:nvGrpSpPr>
+      <p:grpSpPr>
+        <a:xfrm>
+          <a:off x="0" y="0"/>
+          <a:ext cx="0" cy="0"/>
+          <a:chOff x="0" y="0"/>
+          <a:chExt cx="0" cy="0"/>
+        </a:xfrm>
+      </p:grpSpPr>
+      <p:sp>
+        <p:nvSpPr>
+          <p:cNvPr id="2" name="Título 1">
+            <a:extLst>
+              <a:ext uri="{FF2B5EF4-FFF2-40B4-BE49-F238E27FC236}">
+                <a16:creationId xmlns:a16="http://schemas.microsoft.com/office/drawing/2014/main" id="{41D77D8D-7666-F147-0A2E-5EB83F876904}"/>
+              </a:ext>
+            </a:extLst>
+          </p:cNvPr>
+          <p:cNvSpPr>
+            <a:spLocks noGrp="1"/>
+          </p:cNvSpPr>
+          <p:nvPr>
+            <p:ph type="title"/>
+          </p:nvPr>
+        </p:nvSpPr>
+        <p:spPr>
+          <a:xfrm>
+            <a:off x="838200" y="365125"/>
+            <a:ext cx="10515600" cy="898067"/>
+          </a:xfrm>
+        </p:spPr>
+        <p:txBody>
+          <a:bodyPr/>
+          <a:lstStyle/>
+          <a:p>
+            <a:r>
+              <a:rPr lang="es-ES" dirty="0" err="1"/>
+              <a:t>gprof</a:t>
+            </a:r>
+            <a:endParaRPr lang="es-ES" dirty="0"/>
+          </a:p>
+        </p:txBody>
+      </p:sp>
+      <p:sp>
+        <p:nvSpPr>
+          <p:cNvPr id="3" name="Marcador de contenido 2">
+            <a:extLst>
+              <a:ext uri="{FF2B5EF4-FFF2-40B4-BE49-F238E27FC236}">
+                <a16:creationId xmlns:a16="http://schemas.microsoft.com/office/drawing/2014/main" id="{23B86A61-0AE4-F1DA-D900-6F90501CD56A}"/>
+              </a:ext>
+            </a:extLst>
+          </p:cNvPr>
+          <p:cNvSpPr>
+            <a:spLocks noGrp="1"/>
+          </p:cNvSpPr>
+          <p:nvPr>
+            <p:ph idx="1"/>
+          </p:nvPr>
+        </p:nvSpPr>
+        <p:spPr>
+          <a:xfrm>
+            <a:off x="707011" y="1442302"/>
+            <a:ext cx="10746556" cy="5118754"/>
+          </a:xfrm>
+        </p:spPr>
+        <p:txBody>
+          <a:bodyPr>
+            <a:normAutofit lnSpcReduction="10000"/>
+          </a:bodyPr>
+          <a:lstStyle/>
+          <a:p>
+            <a:r>
+              <a:rPr lang="es-ES" dirty="0"/>
+              <a:t>Permite detectar:</a:t>
+            </a:r>
+          </a:p>
+          <a:p>
+            <a:pPr lvl="1"/>
+            <a:r>
+              <a:rPr lang="es-ES" dirty="0"/>
+              <a:t>Qué funciones consumen más tiempo</a:t>
+            </a:r>
+          </a:p>
+          <a:p>
+            <a:pPr lvl="1"/>
+            <a:r>
+              <a:rPr lang="es-ES" dirty="0"/>
+              <a:t>Cuántas veces se llaman</a:t>
+            </a:r>
+          </a:p>
+          <a:p>
+            <a:pPr lvl="1"/>
+            <a:r>
+              <a:rPr lang="es-ES" dirty="0"/>
+              <a:t>Relación entre funciones (quien llama a quien)</a:t>
+            </a:r>
+          </a:p>
+          <a:p>
+            <a:pPr lvl="1"/>
+            <a:endParaRPr lang="es-ES" dirty="0"/>
+          </a:p>
+          <a:p>
+            <a:r>
+              <a:rPr lang="es-ES" b="1" dirty="0"/>
+              <a:t>Aplicarlo</a:t>
+            </a:r>
+            <a:r>
+              <a:rPr lang="es-ES" dirty="0"/>
+              <a:t>:</a:t>
+            </a:r>
+          </a:p>
+          <a:p>
+            <a:pPr lvl="1"/>
+            <a:r>
+              <a:rPr lang="es-ES" dirty="0"/>
+              <a:t>Compilar con la opción –</a:t>
+            </a:r>
+            <a:r>
+              <a:rPr lang="es-ES" dirty="0" err="1"/>
+              <a:t>pg</a:t>
+            </a:r>
+            <a:r>
+              <a:rPr lang="es-ES" dirty="0"/>
+              <a:t>:</a:t>
+            </a:r>
+          </a:p>
+          <a:p>
+            <a:pPr lvl="2"/>
+            <a:r>
+              <a:rPr lang="es-ES" dirty="0"/>
+              <a:t>g++ -</a:t>
+            </a:r>
+            <a:r>
+              <a:rPr lang="es-ES" dirty="0" err="1"/>
+              <a:t>pg</a:t>
+            </a:r>
+            <a:r>
+              <a:rPr lang="es-ES" dirty="0"/>
+              <a:t> main.cpp –o microservicio</a:t>
+            </a:r>
+          </a:p>
+          <a:p>
+            <a:pPr lvl="2"/>
+            <a:endParaRPr lang="es-ES" dirty="0"/>
+          </a:p>
+          <a:p>
+            <a:pPr lvl="1"/>
+            <a:r>
+              <a:rPr lang="es-ES" dirty="0"/>
+              <a:t>Ejecutar el programa normalmente:</a:t>
+            </a:r>
+          </a:p>
+          <a:p>
+            <a:pPr lvl="2"/>
+            <a:r>
+              <a:rPr lang="es-ES" dirty="0"/>
+              <a:t>./microservicio</a:t>
+            </a:r>
+          </a:p>
+          <a:p>
+            <a:pPr lvl="2"/>
+            <a:endParaRPr lang="es-ES" dirty="0"/>
+          </a:p>
+          <a:p>
+            <a:pPr lvl="1"/>
+            <a:r>
+              <a:rPr lang="es-ES" dirty="0"/>
+              <a:t>Generar el perfil:</a:t>
+            </a:r>
+          </a:p>
+          <a:p>
+            <a:pPr lvl="2"/>
+            <a:r>
+              <a:rPr lang="es-ES" b="1" dirty="0" err="1"/>
+              <a:t>gprof</a:t>
+            </a:r>
+            <a:r>
+              <a:rPr lang="es-ES" dirty="0"/>
+              <a:t> microservicio </a:t>
+            </a:r>
+            <a:r>
+              <a:rPr lang="es-ES" dirty="0" err="1"/>
+              <a:t>gmon.out</a:t>
+            </a:r>
+            <a:r>
+              <a:rPr lang="es-ES" dirty="0"/>
+              <a:t> &gt; perfil.txt</a:t>
+            </a:r>
+          </a:p>
+          <a:p>
+            <a:pPr lvl="2"/>
+            <a:endParaRPr lang="es-ES" dirty="0"/>
+          </a:p>
+          <a:p>
+            <a:pPr lvl="1"/>
+            <a:endParaRPr lang="es-ES" dirty="0"/>
+          </a:p>
+        </p:txBody>
+      </p:sp>
+      <p:sp>
+        <p:nvSpPr>
+          <p:cNvPr id="4" name="Marcador de número de diapositiva 3">
+            <a:extLst>
+              <a:ext uri="{FF2B5EF4-FFF2-40B4-BE49-F238E27FC236}">
+                <a16:creationId xmlns:a16="http://schemas.microsoft.com/office/drawing/2014/main" id="{1C2BC51A-742C-0F62-7090-09646F32E194}"/>
+              </a:ext>
+            </a:extLst>
+          </p:cNvPr>
+          <p:cNvSpPr>
+            <a:spLocks noGrp="1"/>
+          </p:cNvSpPr>
+          <p:nvPr>
+            <p:ph type="sldNum" sz="quarter" idx="12"/>
+          </p:nvPr>
+        </p:nvSpPr>
+        <p:spPr/>
+        <p:txBody>
+          <a:bodyPr/>
+          <a:lstStyle/>
+          <a:p>
+            <a:fld id="{927B4081-9AA4-4402-8B96-87C4C53A8D10}" type="slidenum">
+              <a:rPr lang="es-ES" smtClean="0"/>
+              <a:t>18</a:t>
+            </a:fld>
+            <a:endParaRPr lang="es-ES"/>
+          </a:p>
+        </p:txBody>
+      </p:sp>
+    </p:spTree>
+    <p:extLst>
+      <p:ext uri="{BB962C8B-B14F-4D97-AF65-F5344CB8AC3E}">
+        <p14:creationId xmlns:p14="http://schemas.microsoft.com/office/powerpoint/2010/main" val="2182288162"/>
+      </p:ext>
+    </p:extLst>
+  </p:cSld>
+  <p:clrMapOvr>
+    <a:masterClrMapping/>
+  </p:clrMapOvr>
+</p:sld>
+</file>
+
+<file path=ppt/slides/slide19.xml><?xml version="1.0" encoding="utf-8"?>
+<p:sld xmlns:a="http://schemas.openxmlformats.org/drawingml/2006/main" xmlns:r="http://schemas.openxmlformats.org/officeDocument/2006/relationships" xmlns:p="http://schemas.openxmlformats.org/presentationml/2006/main">
+  <p:cSld>
+    <p:spTree>
+      <p:nvGrpSpPr>
+        <p:cNvPr id="1" name=""/>
+        <p:cNvGrpSpPr/>
+        <p:nvPr/>
+      </p:nvGrpSpPr>
+      <p:grpSpPr>
+        <a:xfrm>
+          <a:off x="0" y="0"/>
+          <a:ext cx="0" cy="0"/>
+          <a:chOff x="0" y="0"/>
+          <a:chExt cx="0" cy="0"/>
+        </a:xfrm>
+      </p:grpSpPr>
+      <p:sp>
+        <p:nvSpPr>
+          <p:cNvPr id="2" name="Título 1">
+            <a:extLst>
+              <a:ext uri="{FF2B5EF4-FFF2-40B4-BE49-F238E27FC236}">
+                <a16:creationId xmlns:a16="http://schemas.microsoft.com/office/drawing/2014/main" id="{76117AC7-C927-F9F9-C8AD-2F32603F537B}"/>
+              </a:ext>
+            </a:extLst>
+          </p:cNvPr>
+          <p:cNvSpPr>
+            <a:spLocks noGrp="1"/>
+          </p:cNvSpPr>
+          <p:nvPr>
+            <p:ph type="title"/>
+          </p:nvPr>
+        </p:nvSpPr>
+        <p:spPr/>
+        <p:txBody>
+          <a:bodyPr/>
+          <a:lstStyle/>
+          <a:p>
+            <a:r>
+              <a:rPr lang="es-ES" dirty="0" err="1"/>
+              <a:t>Perf</a:t>
+            </a:r>
+            <a:r>
+              <a:rPr lang="es-ES" dirty="0"/>
+              <a:t>: instalación en WSL2</a:t>
+            </a:r>
+          </a:p>
+        </p:txBody>
+      </p:sp>
+      <p:sp>
+        <p:nvSpPr>
+          <p:cNvPr id="3" name="Marcador de contenido 2">
+            <a:extLst>
+              <a:ext uri="{FF2B5EF4-FFF2-40B4-BE49-F238E27FC236}">
+                <a16:creationId xmlns:a16="http://schemas.microsoft.com/office/drawing/2014/main" id="{78010966-52E3-D725-4629-BFCBA54342F1}"/>
+              </a:ext>
+            </a:extLst>
+          </p:cNvPr>
+          <p:cNvSpPr>
+            <a:spLocks noGrp="1"/>
+          </p:cNvSpPr>
+          <p:nvPr>
+            <p:ph idx="1"/>
+          </p:nvPr>
+        </p:nvSpPr>
+        <p:spPr/>
+        <p:txBody>
+          <a:bodyPr/>
+          <a:lstStyle/>
+          <a:p>
+            <a:endParaRPr lang="es-ES"/>
+          </a:p>
+        </p:txBody>
+      </p:sp>
+      <p:sp>
+        <p:nvSpPr>
+          <p:cNvPr id="4" name="Marcador de número de diapositiva 3">
+            <a:extLst>
+              <a:ext uri="{FF2B5EF4-FFF2-40B4-BE49-F238E27FC236}">
+                <a16:creationId xmlns:a16="http://schemas.microsoft.com/office/drawing/2014/main" id="{D99C7823-E90A-886D-6502-A33165CE174E}"/>
+              </a:ext>
+            </a:extLst>
+          </p:cNvPr>
+          <p:cNvSpPr>
+            <a:spLocks noGrp="1"/>
+          </p:cNvSpPr>
+          <p:nvPr>
+            <p:ph type="sldNum" sz="quarter" idx="12"/>
+          </p:nvPr>
+        </p:nvSpPr>
+        <p:spPr/>
+        <p:txBody>
+          <a:bodyPr/>
+          <a:lstStyle/>
+          <a:p>
+            <a:fld id="{927B4081-9AA4-4402-8B96-87C4C53A8D10}" type="slidenum">
+              <a:rPr lang="es-ES" smtClean="0"/>
+              <a:t>19</a:t>
+            </a:fld>
+            <a:endParaRPr lang="es-ES"/>
+          </a:p>
+        </p:txBody>
+      </p:sp>
+    </p:spTree>
+    <p:extLst>
+      <p:ext uri="{BB962C8B-B14F-4D97-AF65-F5344CB8AC3E}">
+        <p14:creationId xmlns:p14="http://schemas.microsoft.com/office/powerpoint/2010/main" val="984142292"/>
+      </p:ext>
+    </p:extLst>
+  </p:cSld>
+  <p:clrMapOvr>
+    <a:masterClrMapping/>
+  </p:clrMapOvr>
+</p:sld>
+</file>
+
 <file path=ppt/slides/slide2.xml><?xml version="1.0" encoding="utf-8"?>
 <p:sld xmlns:a="http://schemas.openxmlformats.org/drawingml/2006/main" xmlns:r="http://schemas.openxmlformats.org/officeDocument/2006/relationships" xmlns:p="http://schemas.openxmlformats.org/presentationml/2006/main">
   <p:cSld>
@@ -3828,14 +5552,22 @@
           <a:p>
             <a:r>
               <a:rPr lang="es-ES" dirty="0"/>
-              <a:t>Optimización de rendimiento en microservicios de alto rendimiento: </a:t>
+              <a:t>Optimización del rendimiento en microservicios de alto rendimiento: </a:t>
             </a:r>
           </a:p>
           <a:p>
             <a:pPr lvl="1"/>
             <a:r>
               <a:rPr lang="es-ES" dirty="0"/>
-              <a:t>Uso de técnicas de gestión de memoria eficiente (</a:t>
+              <a:t>Uso de técnicas de </a:t>
+            </a:r>
+            <a:r>
+              <a:rPr lang="es-ES" b="1" dirty="0"/>
+              <a:t>gestión de memoria </a:t>
+            </a:r>
+            <a:r>
+              <a:rPr lang="es-ES" dirty="0"/>
+              <a:t>eficiente (</a:t>
             </a:r>
             <a:r>
               <a:rPr lang="es-ES" dirty="0" err="1"/>
@@ -3850,7 +5582,15 @@
             <a:pPr lvl="1"/>
             <a:r>
               <a:rPr lang="es-ES" dirty="0"/>
-              <a:t>Minimización de la latencia en sistemas distribuidos con C++. </a:t>
+              <a:t>Minimización de la </a:t>
+            </a:r>
+            <a:r>
+              <a:rPr lang="es-ES" b="1" dirty="0"/>
+              <a:t>latencia</a:t>
+            </a:r>
+            <a:r>
+              <a:rPr lang="es-ES" dirty="0"/>
+              <a:t> en sistemas distribuidos con C++. </a:t>
             </a:r>
           </a:p>
           <a:p>
@@ -3858,12 +5598,20 @@
           </a:p>
           <a:p>
             <a:r>
-              <a:rPr lang="es-ES" dirty="0" err="1"/>
+              <a:rPr lang="es-ES" b="1" dirty="0" err="1"/>
               <a:t>Profiling</a:t>
             </a:r>
             <a:r>
               <a:rPr lang="es-ES" dirty="0"/>
-              <a:t> y benchmarking de microservicios: </a:t>
+              <a:t> y </a:t>
+            </a:r>
+            <a:r>
+              <a:rPr lang="es-ES" b="1" dirty="0"/>
+              <a:t>benchmarking</a:t>
+            </a:r>
+            <a:r>
+              <a:rPr lang="es-ES" dirty="0"/>
+              <a:t> de microservicios: </a:t>
             </a:r>
           </a:p>
           <a:p>
@@ -3942,6 +5690,525 @@
     <p:extLst>
       <p:ext uri="{BB962C8B-B14F-4D97-AF65-F5344CB8AC3E}">
         <p14:creationId xmlns:p14="http://schemas.microsoft.com/office/powerpoint/2010/main" val="3275995936"/>
+      </p:ext>
+    </p:extLst>
+  </p:cSld>
+  <p:clrMapOvr>
+    <a:masterClrMapping/>
+  </p:clrMapOvr>
+</p:sld>
+</file>
+
+<file path=ppt/slides/slide20.xml><?xml version="1.0" encoding="utf-8"?>
+<p:sld xmlns:a="http://schemas.openxmlformats.org/drawingml/2006/main" xmlns:r="http://schemas.openxmlformats.org/officeDocument/2006/relationships" xmlns:p="http://schemas.openxmlformats.org/presentationml/2006/main">
+  <p:cSld>
+    <p:spTree>
+      <p:nvGrpSpPr>
+        <p:cNvPr id="1" name=""/>
+        <p:cNvGrpSpPr/>
+        <p:nvPr/>
+      </p:nvGrpSpPr>
+      <p:grpSpPr>
+        <a:xfrm>
+          <a:off x="0" y="0"/>
+          <a:ext cx="0" cy="0"/>
+          <a:chOff x="0" y="0"/>
+          <a:chExt cx="0" cy="0"/>
+        </a:xfrm>
+      </p:grpSpPr>
+      <p:sp>
+        <p:nvSpPr>
+          <p:cNvPr id="2" name="Título 1">
+            <a:extLst>
+              <a:ext uri="{FF2B5EF4-FFF2-40B4-BE49-F238E27FC236}">
+                <a16:creationId xmlns:a16="http://schemas.microsoft.com/office/drawing/2014/main" id="{294F22E9-16DA-CE1A-AA24-3E7A9915D0B7}"/>
+              </a:ext>
+            </a:extLst>
+          </p:cNvPr>
+          <p:cNvSpPr>
+            <a:spLocks noGrp="1"/>
+          </p:cNvSpPr>
+          <p:nvPr>
+            <p:ph type="title"/>
+          </p:nvPr>
+        </p:nvSpPr>
+        <p:spPr/>
+        <p:txBody>
+          <a:bodyPr/>
+          <a:lstStyle/>
+          <a:p>
+            <a:r>
+              <a:rPr lang="es-ES" dirty="0" err="1"/>
+              <a:t>perf</a:t>
+            </a:r>
+            <a:endParaRPr lang="es-ES" dirty="0"/>
+          </a:p>
+        </p:txBody>
+      </p:sp>
+      <p:sp>
+        <p:nvSpPr>
+          <p:cNvPr id="3" name="Marcador de contenido 2">
+            <a:extLst>
+              <a:ext uri="{FF2B5EF4-FFF2-40B4-BE49-F238E27FC236}">
+                <a16:creationId xmlns:a16="http://schemas.microsoft.com/office/drawing/2014/main" id="{976635B2-F599-0CA2-BE94-066DFE6F49A9}"/>
+              </a:ext>
+            </a:extLst>
+          </p:cNvPr>
+          <p:cNvSpPr>
+            <a:spLocks noGrp="1"/>
+          </p:cNvSpPr>
+          <p:nvPr>
+            <p:ph idx="1"/>
+          </p:nvPr>
+        </p:nvSpPr>
+        <p:spPr/>
+        <p:txBody>
+          <a:bodyPr/>
+          <a:lstStyle/>
+          <a:p>
+            <a:r>
+              <a:rPr lang="es-ES" dirty="0"/>
+              <a:t>Permite </a:t>
+            </a:r>
+            <a:r>
+              <a:rPr lang="es-ES" b="1" dirty="0"/>
+              <a:t>detectar</a:t>
+            </a:r>
+            <a:r>
+              <a:rPr lang="es-ES" dirty="0"/>
+              <a:t>:</a:t>
+            </a:r>
+          </a:p>
+          <a:p>
+            <a:pPr lvl="1"/>
+            <a:r>
+              <a:rPr lang="es-ES" dirty="0"/>
+              <a:t>Uso de CPU por función o hilo</a:t>
+            </a:r>
+          </a:p>
+          <a:p>
+            <a:pPr lvl="1"/>
+            <a:r>
+              <a:rPr lang="es-ES" dirty="0"/>
+              <a:t>Llamadas al sistema (</a:t>
+            </a:r>
+            <a:r>
+              <a:rPr lang="es-ES" dirty="0" err="1"/>
+              <a:t>syscalls</a:t>
+            </a:r>
+            <a:r>
+              <a:rPr lang="es-ES" dirty="0"/>
+              <a:t>)</a:t>
+            </a:r>
+          </a:p>
+          <a:p>
+            <a:pPr lvl="1"/>
+            <a:r>
+              <a:rPr lang="es-ES" dirty="0"/>
+              <a:t>Latencia en operaciones de red o disco</a:t>
+            </a:r>
+          </a:p>
+          <a:p>
+            <a:pPr lvl="1"/>
+            <a:r>
+              <a:rPr lang="es-ES" dirty="0"/>
+              <a:t>Contención entre hilos.</a:t>
+            </a:r>
+          </a:p>
+          <a:p>
+            <a:pPr lvl="1"/>
+            <a:endParaRPr lang="es-ES" dirty="0"/>
+          </a:p>
+          <a:p>
+            <a:r>
+              <a:rPr lang="es-ES" dirty="0"/>
+              <a:t>Aplicarlo:</a:t>
+            </a:r>
+          </a:p>
+          <a:p>
+            <a:pPr lvl="1"/>
+            <a:r>
+              <a:rPr lang="es-ES" b="1" dirty="0" err="1"/>
+              <a:t>perf</a:t>
+            </a:r>
+            <a:r>
+              <a:rPr lang="es-ES" dirty="0"/>
+              <a:t> </a:t>
+            </a:r>
+            <a:r>
+              <a:rPr lang="es-ES" dirty="0" err="1"/>
+              <a:t>record</a:t>
+            </a:r>
+            <a:r>
+              <a:rPr lang="es-ES" dirty="0"/>
+              <a:t> ./microservicio</a:t>
+            </a:r>
+          </a:p>
+          <a:p>
+            <a:pPr lvl="1"/>
+            <a:r>
+              <a:rPr lang="es-ES" b="1" dirty="0" err="1"/>
+              <a:t>perf</a:t>
+            </a:r>
+            <a:r>
+              <a:rPr lang="es-ES" dirty="0"/>
+              <a:t> </a:t>
+            </a:r>
+            <a:r>
+              <a:rPr lang="es-ES" dirty="0" err="1"/>
+              <a:t>report</a:t>
+            </a:r>
+            <a:endParaRPr lang="es-ES" dirty="0"/>
+          </a:p>
+          <a:p>
+            <a:endParaRPr lang="es-ES" dirty="0"/>
+          </a:p>
+        </p:txBody>
+      </p:sp>
+      <p:sp>
+        <p:nvSpPr>
+          <p:cNvPr id="4" name="Marcador de número de diapositiva 3">
+            <a:extLst>
+              <a:ext uri="{FF2B5EF4-FFF2-40B4-BE49-F238E27FC236}">
+                <a16:creationId xmlns:a16="http://schemas.microsoft.com/office/drawing/2014/main" id="{40FAA346-0AAC-BDF6-3A8E-3C867A5B931C}"/>
+              </a:ext>
+            </a:extLst>
+          </p:cNvPr>
+          <p:cNvSpPr>
+            <a:spLocks noGrp="1"/>
+          </p:cNvSpPr>
+          <p:nvPr>
+            <p:ph type="sldNum" sz="quarter" idx="12"/>
+          </p:nvPr>
+        </p:nvSpPr>
+        <p:spPr/>
+        <p:txBody>
+          <a:bodyPr/>
+          <a:lstStyle/>
+          <a:p>
+            <a:fld id="{927B4081-9AA4-4402-8B96-87C4C53A8D10}" type="slidenum">
+              <a:rPr lang="es-ES" smtClean="0"/>
+              <a:t>20</a:t>
+            </a:fld>
+            <a:endParaRPr lang="es-ES"/>
+          </a:p>
+        </p:txBody>
+      </p:sp>
+    </p:spTree>
+    <p:extLst>
+      <p:ext uri="{BB962C8B-B14F-4D97-AF65-F5344CB8AC3E}">
+        <p14:creationId xmlns:p14="http://schemas.microsoft.com/office/powerpoint/2010/main" val="3631325412"/>
+      </p:ext>
+    </p:extLst>
+  </p:cSld>
+  <p:clrMapOvr>
+    <a:masterClrMapping/>
+  </p:clrMapOvr>
+</p:sld>
+</file>
+
+<file path=ppt/slides/slide21.xml><?xml version="1.0" encoding="utf-8"?>
+<p:sld xmlns:a="http://schemas.openxmlformats.org/drawingml/2006/main" xmlns:r="http://schemas.openxmlformats.org/officeDocument/2006/relationships" xmlns:p="http://schemas.openxmlformats.org/presentationml/2006/main">
+  <p:cSld>
+    <p:spTree>
+      <p:nvGrpSpPr>
+        <p:cNvPr id="1" name=""/>
+        <p:cNvGrpSpPr/>
+        <p:nvPr/>
+      </p:nvGrpSpPr>
+      <p:grpSpPr>
+        <a:xfrm>
+          <a:off x="0" y="0"/>
+          <a:ext cx="0" cy="0"/>
+          <a:chOff x="0" y="0"/>
+          <a:chExt cx="0" cy="0"/>
+        </a:xfrm>
+      </p:grpSpPr>
+      <p:sp>
+        <p:nvSpPr>
+          <p:cNvPr id="2" name="Título 1">
+            <a:extLst>
+              <a:ext uri="{FF2B5EF4-FFF2-40B4-BE49-F238E27FC236}">
+                <a16:creationId xmlns:a16="http://schemas.microsoft.com/office/drawing/2014/main" id="{46F3D344-364A-CA78-D7B9-BBA93AFDD8EE}"/>
+              </a:ext>
+            </a:extLst>
+          </p:cNvPr>
+          <p:cNvSpPr>
+            <a:spLocks noGrp="1"/>
+          </p:cNvSpPr>
+          <p:nvPr>
+            <p:ph type="title"/>
+          </p:nvPr>
+        </p:nvSpPr>
+        <p:spPr/>
+        <p:txBody>
+          <a:bodyPr/>
+          <a:lstStyle/>
+          <a:p>
+            <a:endParaRPr lang="es-ES"/>
+          </a:p>
+        </p:txBody>
+      </p:sp>
+      <p:sp>
+        <p:nvSpPr>
+          <p:cNvPr id="3" name="Marcador de contenido 2">
+            <a:extLst>
+              <a:ext uri="{FF2B5EF4-FFF2-40B4-BE49-F238E27FC236}">
+                <a16:creationId xmlns:a16="http://schemas.microsoft.com/office/drawing/2014/main" id="{B5ABDD8E-AB49-6F12-6BBD-5F6F0044393A}"/>
+              </a:ext>
+            </a:extLst>
+          </p:cNvPr>
+          <p:cNvSpPr>
+            <a:spLocks noGrp="1"/>
+          </p:cNvSpPr>
+          <p:nvPr>
+            <p:ph idx="1"/>
+          </p:nvPr>
+        </p:nvSpPr>
+        <p:spPr/>
+        <p:txBody>
+          <a:bodyPr/>
+          <a:lstStyle/>
+          <a:p>
+            <a:endParaRPr lang="es-ES"/>
+          </a:p>
+        </p:txBody>
+      </p:sp>
+      <p:sp>
+        <p:nvSpPr>
+          <p:cNvPr id="4" name="Marcador de número de diapositiva 3">
+            <a:extLst>
+              <a:ext uri="{FF2B5EF4-FFF2-40B4-BE49-F238E27FC236}">
+                <a16:creationId xmlns:a16="http://schemas.microsoft.com/office/drawing/2014/main" id="{7A63F487-1DA4-A00D-7A89-004A08B2C4E2}"/>
+              </a:ext>
+            </a:extLst>
+          </p:cNvPr>
+          <p:cNvSpPr>
+            <a:spLocks noGrp="1"/>
+          </p:cNvSpPr>
+          <p:nvPr>
+            <p:ph type="sldNum" sz="quarter" idx="12"/>
+          </p:nvPr>
+        </p:nvSpPr>
+        <p:spPr/>
+        <p:txBody>
+          <a:bodyPr/>
+          <a:lstStyle/>
+          <a:p>
+            <a:fld id="{927B4081-9AA4-4402-8B96-87C4C53A8D10}" type="slidenum">
+              <a:rPr lang="es-ES" smtClean="0"/>
+              <a:t>21</a:t>
+            </a:fld>
+            <a:endParaRPr lang="es-ES"/>
+          </a:p>
+        </p:txBody>
+      </p:sp>
+    </p:spTree>
+    <p:extLst>
+      <p:ext uri="{BB962C8B-B14F-4D97-AF65-F5344CB8AC3E}">
+        <p14:creationId xmlns:p14="http://schemas.microsoft.com/office/powerpoint/2010/main" val="2554215957"/>
+      </p:ext>
+    </p:extLst>
+  </p:cSld>
+  <p:clrMapOvr>
+    <a:masterClrMapping/>
+  </p:clrMapOvr>
+</p:sld>
+</file>
+
+<file path=ppt/slides/slide22.xml><?xml version="1.0" encoding="utf-8"?>
+<p:sld xmlns:a="http://schemas.openxmlformats.org/drawingml/2006/main" xmlns:r="http://schemas.openxmlformats.org/officeDocument/2006/relationships" xmlns:p="http://schemas.openxmlformats.org/presentationml/2006/main">
+  <p:cSld>
+    <p:spTree>
+      <p:nvGrpSpPr>
+        <p:cNvPr id="1" name=""/>
+        <p:cNvGrpSpPr/>
+        <p:nvPr/>
+      </p:nvGrpSpPr>
+      <p:grpSpPr>
+        <a:xfrm>
+          <a:off x="0" y="0"/>
+          <a:ext cx="0" cy="0"/>
+          <a:chOff x="0" y="0"/>
+          <a:chExt cx="0" cy="0"/>
+        </a:xfrm>
+      </p:grpSpPr>
+      <p:sp>
+        <p:nvSpPr>
+          <p:cNvPr id="2" name="Título 1">
+            <a:extLst>
+              <a:ext uri="{FF2B5EF4-FFF2-40B4-BE49-F238E27FC236}">
+                <a16:creationId xmlns:a16="http://schemas.microsoft.com/office/drawing/2014/main" id="{DFC6576E-F8B3-4B73-9B64-776A6E5179D2}"/>
+              </a:ext>
+            </a:extLst>
+          </p:cNvPr>
+          <p:cNvSpPr>
+            <a:spLocks noGrp="1"/>
+          </p:cNvSpPr>
+          <p:nvPr>
+            <p:ph type="title"/>
+          </p:nvPr>
+        </p:nvSpPr>
+        <p:spPr/>
+        <p:txBody>
+          <a:bodyPr/>
+          <a:lstStyle/>
+          <a:p>
+            <a:r>
+              <a:rPr lang="es-ES" dirty="0"/>
+              <a:t>Relación entre  las 3 herramientas</a:t>
+            </a:r>
+          </a:p>
+        </p:txBody>
+      </p:sp>
+      <p:sp>
+        <p:nvSpPr>
+          <p:cNvPr id="3" name="Marcador de contenido 2">
+            <a:extLst>
+              <a:ext uri="{FF2B5EF4-FFF2-40B4-BE49-F238E27FC236}">
+                <a16:creationId xmlns:a16="http://schemas.microsoft.com/office/drawing/2014/main" id="{8E737A77-659E-E583-ED76-94195953F993}"/>
+              </a:ext>
+            </a:extLst>
+          </p:cNvPr>
+          <p:cNvSpPr>
+            <a:spLocks noGrp="1"/>
+          </p:cNvSpPr>
+          <p:nvPr>
+            <p:ph idx="1"/>
+          </p:nvPr>
+        </p:nvSpPr>
+        <p:spPr/>
+        <p:txBody>
+          <a:bodyPr/>
+          <a:lstStyle/>
+          <a:p>
+            <a:r>
+              <a:rPr lang="es-ES" b="1" dirty="0"/>
+              <a:t>PASOS</a:t>
+            </a:r>
+            <a:r>
+              <a:rPr lang="es-ES" dirty="0"/>
+              <a:t>:</a:t>
+            </a:r>
+          </a:p>
+          <a:p>
+            <a:pPr lvl="1"/>
+            <a:r>
+              <a:rPr lang="es-ES" dirty="0"/>
+              <a:t>1. Simular carga con </a:t>
+            </a:r>
+            <a:r>
+              <a:rPr lang="es-ES" b="1" dirty="0" err="1"/>
+              <a:t>wrk</a:t>
+            </a:r>
+            <a:r>
+              <a:rPr lang="es-ES" dirty="0"/>
+              <a:t> o </a:t>
+            </a:r>
+            <a:r>
+              <a:rPr lang="es-ES" b="1" dirty="0" err="1"/>
+              <a:t>curl</a:t>
+            </a:r>
+            <a:r>
+              <a:rPr lang="es-ES" dirty="0"/>
+              <a:t>.</a:t>
+            </a:r>
+          </a:p>
+          <a:p>
+            <a:pPr lvl="1"/>
+            <a:endParaRPr lang="es-ES" dirty="0"/>
+          </a:p>
+          <a:p>
+            <a:pPr lvl="1"/>
+            <a:r>
+              <a:rPr lang="es-ES" dirty="0"/>
+              <a:t>2. Ejecutas </a:t>
+            </a:r>
+            <a:r>
+              <a:rPr lang="es-ES" b="1" dirty="0" err="1"/>
+              <a:t>valgrind</a:t>
+            </a:r>
+            <a:r>
+              <a:rPr lang="es-ES" dirty="0"/>
+              <a:t> para detectar fugas.</a:t>
+            </a:r>
+          </a:p>
+          <a:p>
+            <a:pPr lvl="1"/>
+            <a:endParaRPr lang="es-ES" dirty="0"/>
+          </a:p>
+          <a:p>
+            <a:pPr lvl="1"/>
+            <a:r>
+              <a:rPr lang="es-ES" dirty="0"/>
+              <a:t>3. Usas </a:t>
+            </a:r>
+            <a:r>
+              <a:rPr lang="es-ES" b="1" dirty="0" err="1"/>
+              <a:t>gprof</a:t>
+            </a:r>
+            <a:r>
+              <a:rPr lang="es-ES" dirty="0"/>
+              <a:t> para ver qué funciones dominan el tiempo.</a:t>
+            </a:r>
+          </a:p>
+          <a:p>
+            <a:pPr lvl="1"/>
+            <a:endParaRPr lang="es-ES" dirty="0"/>
+          </a:p>
+          <a:p>
+            <a:pPr lvl="1"/>
+            <a:r>
+              <a:rPr lang="es-ES" dirty="0"/>
+              <a:t>4. Usas </a:t>
+            </a:r>
+            <a:r>
+              <a:rPr lang="es-ES" b="1" dirty="0" err="1"/>
+              <a:t>perf</a:t>
+            </a:r>
+            <a:r>
+              <a:rPr lang="es-ES" dirty="0"/>
+              <a:t> para ver si hay contención o latencia en llamadas externas.</a:t>
+            </a:r>
+          </a:p>
+          <a:p>
+            <a:endParaRPr lang="es-ES" dirty="0"/>
+          </a:p>
+        </p:txBody>
+      </p:sp>
+      <p:sp>
+        <p:nvSpPr>
+          <p:cNvPr id="4" name="Marcador de número de diapositiva 3">
+            <a:extLst>
+              <a:ext uri="{FF2B5EF4-FFF2-40B4-BE49-F238E27FC236}">
+                <a16:creationId xmlns:a16="http://schemas.microsoft.com/office/drawing/2014/main" id="{7866E2D5-F157-3B12-DBC6-B9504C90434C}"/>
+              </a:ext>
+            </a:extLst>
+          </p:cNvPr>
+          <p:cNvSpPr>
+            <a:spLocks noGrp="1"/>
+          </p:cNvSpPr>
+          <p:nvPr>
+            <p:ph type="sldNum" sz="quarter" idx="12"/>
+          </p:nvPr>
+        </p:nvSpPr>
+        <p:spPr/>
+        <p:txBody>
+          <a:bodyPr/>
+          <a:lstStyle/>
+          <a:p>
+            <a:fld id="{927B4081-9AA4-4402-8B96-87C4C53A8D10}" type="slidenum">
+              <a:rPr lang="es-ES" smtClean="0"/>
+              <a:t>22</a:t>
+            </a:fld>
+            <a:endParaRPr lang="es-ES"/>
+          </a:p>
+        </p:txBody>
+      </p:sp>
+    </p:spTree>
+    <p:extLst>
+      <p:ext uri="{BB962C8B-B14F-4D97-AF65-F5344CB8AC3E}">
+        <p14:creationId xmlns:p14="http://schemas.microsoft.com/office/powerpoint/2010/main" val="2570243890"/>
       </p:ext>
     </p:extLst>
   </p:cSld>
@@ -4272,7 +6539,7 @@
           <p:cNvPr id="2" name="Título 1">
             <a:extLst>
               <a:ext uri="{FF2B5EF4-FFF2-40B4-BE49-F238E27FC236}">
-                <a16:creationId xmlns:a16="http://schemas.microsoft.com/office/drawing/2014/main" id="{F9D3B105-2525-FFE0-1C07-7AA451C2C88C}"/>
+                <a16:creationId xmlns:a16="http://schemas.microsoft.com/office/drawing/2014/main" id="{CF4E2A89-C488-58C0-2B76-1CC9FB445409}"/>
               </a:ext>
             </a:extLst>
           </p:cNvPr>
@@ -4288,7 +6555,11 @@
           <a:bodyPr/>
           <a:lstStyle/>
           <a:p>
-            <a:endParaRPr lang="es-ES"/>
+            <a:r>
+              <a:rPr lang="es-ES" dirty="0" err="1"/>
+              <a:t>Profiling</a:t>
+            </a:r>
+            <a:endParaRPr lang="es-ES" dirty="0"/>
           </a:p>
         </p:txBody>
       </p:sp>
@@ -4297,7 +6568,7 @@
           <p:cNvPr id="3" name="Marcador de contenido 2">
             <a:extLst>
               <a:ext uri="{FF2B5EF4-FFF2-40B4-BE49-F238E27FC236}">
-                <a16:creationId xmlns:a16="http://schemas.microsoft.com/office/drawing/2014/main" id="{F4F4B1CC-3223-624E-2929-45CDF0850A05}"/>
+                <a16:creationId xmlns:a16="http://schemas.microsoft.com/office/drawing/2014/main" id="{C9917515-A344-B815-A772-8ED9773C957D}"/>
               </a:ext>
             </a:extLst>
           </p:cNvPr>
@@ -4313,7 +6584,22 @@
           <a:bodyPr/>
           <a:lstStyle/>
           <a:p>
-            <a:endParaRPr lang="es-ES"/>
+            <a:r>
+              <a:rPr lang="es-ES" dirty="0"/>
+              <a:t>Análisis del rendimiento, es una técnica que permite estudiar el comportamiento de un programa mientras se ejecuta.</a:t>
+            </a:r>
+          </a:p>
+          <a:p>
+            <a:endParaRPr lang="es-ES" dirty="0"/>
+          </a:p>
+          <a:p>
+            <a:endParaRPr lang="es-ES" dirty="0"/>
+          </a:p>
+          <a:p>
+            <a:r>
+              <a:rPr lang="es-ES" dirty="0"/>
+              <a:t>Permite identificar cuellos de botella, optimizar recursos y mejorar el rendimiento general.</a:t>
+            </a:r>
           </a:p>
         </p:txBody>
       </p:sp>
@@ -4322,7 +6608,7 @@
           <p:cNvPr id="4" name="Marcador de número de diapositiva 3">
             <a:extLst>
               <a:ext uri="{FF2B5EF4-FFF2-40B4-BE49-F238E27FC236}">
-                <a16:creationId xmlns:a16="http://schemas.microsoft.com/office/drawing/2014/main" id="{1ED9BFCC-35EF-00AD-3DAF-84697A25A270}"/>
+                <a16:creationId xmlns:a16="http://schemas.microsoft.com/office/drawing/2014/main" id="{B29BE930-FA3C-C94A-F73C-BDF45BF5F4C4}"/>
               </a:ext>
             </a:extLst>
           </p:cNvPr>
@@ -4349,7 +6635,507 @@
     </p:spTree>
     <p:extLst>
       <p:ext uri="{BB962C8B-B14F-4D97-AF65-F5344CB8AC3E}">
-        <p14:creationId xmlns:p14="http://schemas.microsoft.com/office/powerpoint/2010/main" val="134880538"/>
+        <p14:creationId xmlns:p14="http://schemas.microsoft.com/office/powerpoint/2010/main" val="3966927406"/>
+      </p:ext>
+    </p:extLst>
+  </p:cSld>
+  <p:clrMapOvr>
+    <a:masterClrMapping/>
+  </p:clrMapOvr>
+</p:sld>
+</file>
+
+<file path=ppt/slides/slide7.xml><?xml version="1.0" encoding="utf-8"?>
+<p:sld xmlns:a="http://schemas.openxmlformats.org/drawingml/2006/main" xmlns:r="http://schemas.openxmlformats.org/officeDocument/2006/relationships" xmlns:p="http://schemas.openxmlformats.org/presentationml/2006/main">
+  <p:cSld>
+    <p:spTree>
+      <p:nvGrpSpPr>
+        <p:cNvPr id="1" name=""/>
+        <p:cNvGrpSpPr/>
+        <p:nvPr/>
+      </p:nvGrpSpPr>
+      <p:grpSpPr>
+        <a:xfrm>
+          <a:off x="0" y="0"/>
+          <a:ext cx="0" cy="0"/>
+          <a:chOff x="0" y="0"/>
+          <a:chExt cx="0" cy="0"/>
+        </a:xfrm>
+      </p:grpSpPr>
+      <p:sp>
+        <p:nvSpPr>
+          <p:cNvPr id="2" name="Título 1">
+            <a:extLst>
+              <a:ext uri="{FF2B5EF4-FFF2-40B4-BE49-F238E27FC236}">
+                <a16:creationId xmlns:a16="http://schemas.microsoft.com/office/drawing/2014/main" id="{63581ED3-15D7-5840-A863-A9527405C3C3}"/>
+              </a:ext>
+            </a:extLst>
+          </p:cNvPr>
+          <p:cNvSpPr>
+            <a:spLocks noGrp="1"/>
+          </p:cNvSpPr>
+          <p:nvPr>
+            <p:ph type="title"/>
+          </p:nvPr>
+        </p:nvSpPr>
+        <p:spPr/>
+        <p:txBody>
+          <a:bodyPr/>
+          <a:lstStyle/>
+          <a:p>
+            <a:r>
+              <a:rPr lang="es-ES" dirty="0"/>
+              <a:t>¿Qué es el </a:t>
+            </a:r>
+            <a:r>
+              <a:rPr lang="es-ES" dirty="0" err="1"/>
+              <a:t>profiling</a:t>
+            </a:r>
+            <a:r>
+              <a:rPr lang="es-ES" dirty="0"/>
+              <a:t>?</a:t>
+            </a:r>
+          </a:p>
+        </p:txBody>
+      </p:sp>
+      <p:sp>
+        <p:nvSpPr>
+          <p:cNvPr id="3" name="Marcador de contenido 2">
+            <a:extLst>
+              <a:ext uri="{FF2B5EF4-FFF2-40B4-BE49-F238E27FC236}">
+                <a16:creationId xmlns:a16="http://schemas.microsoft.com/office/drawing/2014/main" id="{AFA11C47-F657-D589-28BB-10FE5908958A}"/>
+              </a:ext>
+            </a:extLst>
+          </p:cNvPr>
+          <p:cNvSpPr>
+            <a:spLocks noGrp="1"/>
+          </p:cNvSpPr>
+          <p:nvPr>
+            <p:ph idx="1"/>
+          </p:nvPr>
+        </p:nvSpPr>
+        <p:spPr/>
+        <p:txBody>
+          <a:bodyPr/>
+          <a:lstStyle/>
+          <a:p>
+            <a:r>
+              <a:rPr lang="es-ES" dirty="0"/>
+              <a:t>Es el proceso de </a:t>
+            </a:r>
+            <a:r>
+              <a:rPr lang="es-ES" b="1" dirty="0"/>
+              <a:t>medir y analizar</a:t>
+            </a:r>
+            <a:r>
+              <a:rPr lang="es-ES" dirty="0"/>
+              <a:t> aspectos internos de una aplicación como:</a:t>
+            </a:r>
+          </a:p>
+          <a:p>
+            <a:pPr lvl="1"/>
+            <a:r>
+              <a:rPr lang="es-ES" dirty="0"/>
+              <a:t>Tiempo de ejecución por función o método</a:t>
+            </a:r>
+          </a:p>
+          <a:p>
+            <a:pPr lvl="1"/>
+            <a:r>
+              <a:rPr lang="es-ES" dirty="0"/>
+              <a:t>Uso de CPU y memoria</a:t>
+            </a:r>
+          </a:p>
+          <a:p>
+            <a:pPr lvl="1"/>
+            <a:r>
+              <a:rPr lang="es-ES" dirty="0"/>
+              <a:t>Accesos a disco o red</a:t>
+            </a:r>
+          </a:p>
+          <a:p>
+            <a:pPr lvl="1"/>
+            <a:r>
+              <a:rPr lang="es-ES" dirty="0"/>
+              <a:t>Frecuencia de llamadas</a:t>
+            </a:r>
+          </a:p>
+          <a:p>
+            <a:pPr lvl="1"/>
+            <a:r>
+              <a:rPr lang="es-ES" dirty="0"/>
+              <a:t>Fugas de memoria o ciclos innecesarios</a:t>
+            </a:r>
+          </a:p>
+          <a:p>
+            <a:endParaRPr lang="es-ES" dirty="0"/>
+          </a:p>
+          <a:p>
+            <a:r>
+              <a:rPr lang="es-ES" dirty="0"/>
+              <a:t>El resultado es un </a:t>
+            </a:r>
+            <a:r>
+              <a:rPr lang="es-ES" b="1" dirty="0"/>
+              <a:t>perfil de ejecución</a:t>
+            </a:r>
+            <a:r>
+              <a:rPr lang="es-ES" dirty="0"/>
+              <a:t>, que te muestra qué partes del código consumen más recursos o tiempo.</a:t>
+            </a:r>
+          </a:p>
+          <a:p>
+            <a:endParaRPr lang="es-ES" dirty="0"/>
+          </a:p>
+        </p:txBody>
+      </p:sp>
+      <p:sp>
+        <p:nvSpPr>
+          <p:cNvPr id="4" name="Marcador de número de diapositiva 3">
+            <a:extLst>
+              <a:ext uri="{FF2B5EF4-FFF2-40B4-BE49-F238E27FC236}">
+                <a16:creationId xmlns:a16="http://schemas.microsoft.com/office/drawing/2014/main" id="{D57D1FDE-C86C-C035-C797-B35711BC1AC4}"/>
+              </a:ext>
+            </a:extLst>
+          </p:cNvPr>
+          <p:cNvSpPr>
+            <a:spLocks noGrp="1"/>
+          </p:cNvSpPr>
+          <p:nvPr>
+            <p:ph type="sldNum" sz="quarter" idx="12"/>
+          </p:nvPr>
+        </p:nvSpPr>
+        <p:spPr/>
+        <p:txBody>
+          <a:bodyPr/>
+          <a:lstStyle/>
+          <a:p>
+            <a:fld id="{927B4081-9AA4-4402-8B96-87C4C53A8D10}" type="slidenum">
+              <a:rPr lang="es-ES" smtClean="0"/>
+              <a:t>7</a:t>
+            </a:fld>
+            <a:endParaRPr lang="es-ES"/>
+          </a:p>
+        </p:txBody>
+      </p:sp>
+    </p:spTree>
+    <p:extLst>
+      <p:ext uri="{BB962C8B-B14F-4D97-AF65-F5344CB8AC3E}">
+        <p14:creationId xmlns:p14="http://schemas.microsoft.com/office/powerpoint/2010/main" val="3964805357"/>
+      </p:ext>
+    </p:extLst>
+  </p:cSld>
+  <p:clrMapOvr>
+    <a:masterClrMapping/>
+  </p:clrMapOvr>
+</p:sld>
+</file>
+
+<file path=ppt/slides/slide8.xml><?xml version="1.0" encoding="utf-8"?>
+<p:sld xmlns:a="http://schemas.openxmlformats.org/drawingml/2006/main" xmlns:r="http://schemas.openxmlformats.org/officeDocument/2006/relationships" xmlns:p="http://schemas.openxmlformats.org/presentationml/2006/main">
+  <p:cSld>
+    <p:spTree>
+      <p:nvGrpSpPr>
+        <p:cNvPr id="1" name=""/>
+        <p:cNvGrpSpPr/>
+        <p:nvPr/>
+      </p:nvGrpSpPr>
+      <p:grpSpPr>
+        <a:xfrm>
+          <a:off x="0" y="0"/>
+          <a:ext cx="0" cy="0"/>
+          <a:chOff x="0" y="0"/>
+          <a:chExt cx="0" cy="0"/>
+        </a:xfrm>
+      </p:grpSpPr>
+      <p:sp>
+        <p:nvSpPr>
+          <p:cNvPr id="2" name="Título 1">
+            <a:extLst>
+              <a:ext uri="{FF2B5EF4-FFF2-40B4-BE49-F238E27FC236}">
+                <a16:creationId xmlns:a16="http://schemas.microsoft.com/office/drawing/2014/main" id="{C68C7884-F359-E4E6-C4E9-751BEFDD19ED}"/>
+              </a:ext>
+            </a:extLst>
+          </p:cNvPr>
+          <p:cNvSpPr>
+            <a:spLocks noGrp="1"/>
+          </p:cNvSpPr>
+          <p:nvPr>
+            <p:ph type="title"/>
+          </p:nvPr>
+        </p:nvSpPr>
+        <p:spPr/>
+        <p:txBody>
+          <a:bodyPr/>
+          <a:lstStyle/>
+          <a:p>
+            <a:r>
+              <a:rPr lang="es-ES" dirty="0"/>
+              <a:t>¿Para qué sirve?</a:t>
+            </a:r>
+          </a:p>
+        </p:txBody>
+      </p:sp>
+      <p:sp>
+        <p:nvSpPr>
+          <p:cNvPr id="3" name="Marcador de contenido 2">
+            <a:extLst>
+              <a:ext uri="{FF2B5EF4-FFF2-40B4-BE49-F238E27FC236}">
+                <a16:creationId xmlns:a16="http://schemas.microsoft.com/office/drawing/2014/main" id="{86FA9445-16FE-D87A-C647-7D5D7E51F295}"/>
+              </a:ext>
+            </a:extLst>
+          </p:cNvPr>
+          <p:cNvSpPr>
+            <a:spLocks noGrp="1"/>
+          </p:cNvSpPr>
+          <p:nvPr>
+            <p:ph idx="1"/>
+          </p:nvPr>
+        </p:nvSpPr>
+        <p:spPr/>
+        <p:txBody>
+          <a:bodyPr>
+            <a:normAutofit fontScale="92500" lnSpcReduction="10000"/>
+          </a:bodyPr>
+          <a:lstStyle/>
+          <a:p>
+            <a:r>
+              <a:rPr lang="es-ES" dirty="0"/>
+              <a:t>Optimizar código crítico: Saber qué funciones ralentizan el sistema</a:t>
+            </a:r>
+          </a:p>
+          <a:p>
+            <a:endParaRPr lang="es-ES" dirty="0"/>
+          </a:p>
+          <a:p>
+            <a:r>
+              <a:rPr lang="es-ES" dirty="0"/>
+              <a:t>Reducir consumo de recursos: CPU, RAM, disco</a:t>
+            </a:r>
+          </a:p>
+          <a:p>
+            <a:endParaRPr lang="es-ES" dirty="0"/>
+          </a:p>
+          <a:p>
+            <a:r>
+              <a:rPr lang="es-ES" dirty="0"/>
+              <a:t>Detectar fugas de memoria</a:t>
+            </a:r>
+          </a:p>
+          <a:p>
+            <a:endParaRPr lang="es-ES" dirty="0"/>
+          </a:p>
+          <a:p>
+            <a:r>
+              <a:rPr lang="es-ES" dirty="0"/>
+              <a:t>Mejorar escalabilidad: Preparar el sistema para más carga</a:t>
+            </a:r>
+          </a:p>
+          <a:p>
+            <a:endParaRPr lang="es-ES" dirty="0"/>
+          </a:p>
+          <a:p>
+            <a:r>
+              <a:rPr lang="es-ES" dirty="0"/>
+              <a:t>Tomar decisiones informadas: Qué refactorizar, qué paralelizar, qué cachear</a:t>
+            </a:r>
+          </a:p>
+        </p:txBody>
+      </p:sp>
+      <p:sp>
+        <p:nvSpPr>
+          <p:cNvPr id="4" name="Marcador de número de diapositiva 3">
+            <a:extLst>
+              <a:ext uri="{FF2B5EF4-FFF2-40B4-BE49-F238E27FC236}">
+                <a16:creationId xmlns:a16="http://schemas.microsoft.com/office/drawing/2014/main" id="{FAAA982E-4B50-5EC7-9BD3-CFE2ABAB54E4}"/>
+              </a:ext>
+            </a:extLst>
+          </p:cNvPr>
+          <p:cNvSpPr>
+            <a:spLocks noGrp="1"/>
+          </p:cNvSpPr>
+          <p:nvPr>
+            <p:ph type="sldNum" sz="quarter" idx="12"/>
+          </p:nvPr>
+        </p:nvSpPr>
+        <p:spPr/>
+        <p:txBody>
+          <a:bodyPr/>
+          <a:lstStyle/>
+          <a:p>
+            <a:fld id="{927B4081-9AA4-4402-8B96-87C4C53A8D10}" type="slidenum">
+              <a:rPr lang="es-ES" smtClean="0"/>
+              <a:t>8</a:t>
+            </a:fld>
+            <a:endParaRPr lang="es-ES"/>
+          </a:p>
+        </p:txBody>
+      </p:sp>
+    </p:spTree>
+    <p:extLst>
+      <p:ext uri="{BB962C8B-B14F-4D97-AF65-F5344CB8AC3E}">
+        <p14:creationId xmlns:p14="http://schemas.microsoft.com/office/powerpoint/2010/main" val="1770674123"/>
+      </p:ext>
+    </p:extLst>
+  </p:cSld>
+  <p:clrMapOvr>
+    <a:masterClrMapping/>
+  </p:clrMapOvr>
+</p:sld>
+</file>
+
+<file path=ppt/slides/slide9.xml><?xml version="1.0" encoding="utf-8"?>
+<p:sld xmlns:a="http://schemas.openxmlformats.org/drawingml/2006/main" xmlns:r="http://schemas.openxmlformats.org/officeDocument/2006/relationships" xmlns:p="http://schemas.openxmlformats.org/presentationml/2006/main">
+  <p:cSld>
+    <p:spTree>
+      <p:nvGrpSpPr>
+        <p:cNvPr id="1" name=""/>
+        <p:cNvGrpSpPr/>
+        <p:nvPr/>
+      </p:nvGrpSpPr>
+      <p:grpSpPr>
+        <a:xfrm>
+          <a:off x="0" y="0"/>
+          <a:ext cx="0" cy="0"/>
+          <a:chOff x="0" y="0"/>
+          <a:chExt cx="0" cy="0"/>
+        </a:xfrm>
+      </p:grpSpPr>
+      <p:sp>
+        <p:nvSpPr>
+          <p:cNvPr id="2" name="Título 1">
+            <a:extLst>
+              <a:ext uri="{FF2B5EF4-FFF2-40B4-BE49-F238E27FC236}">
+                <a16:creationId xmlns:a16="http://schemas.microsoft.com/office/drawing/2014/main" id="{9A09DCE4-E432-9363-188A-3039A3A5D89F}"/>
+              </a:ext>
+            </a:extLst>
+          </p:cNvPr>
+          <p:cNvSpPr>
+            <a:spLocks noGrp="1"/>
+          </p:cNvSpPr>
+          <p:nvPr>
+            <p:ph type="title"/>
+          </p:nvPr>
+        </p:nvSpPr>
+        <p:spPr/>
+        <p:txBody>
+          <a:bodyPr/>
+          <a:lstStyle/>
+          <a:p>
+            <a:r>
+              <a:rPr lang="es-ES" dirty="0"/>
+              <a:t>Benchmarking</a:t>
+            </a:r>
+          </a:p>
+        </p:txBody>
+      </p:sp>
+      <p:sp>
+        <p:nvSpPr>
+          <p:cNvPr id="3" name="Marcador de contenido 2">
+            <a:extLst>
+              <a:ext uri="{FF2B5EF4-FFF2-40B4-BE49-F238E27FC236}">
+                <a16:creationId xmlns:a16="http://schemas.microsoft.com/office/drawing/2014/main" id="{EC7D2D2C-BD1D-4055-65C0-99B955861345}"/>
+              </a:ext>
+            </a:extLst>
+          </p:cNvPr>
+          <p:cNvSpPr>
+            <a:spLocks noGrp="1"/>
+          </p:cNvSpPr>
+          <p:nvPr>
+            <p:ph idx="1"/>
+          </p:nvPr>
+        </p:nvSpPr>
+        <p:spPr/>
+        <p:txBody>
+          <a:bodyPr>
+            <a:normAutofit fontScale="92500" lnSpcReduction="10000"/>
+          </a:bodyPr>
+          <a:lstStyle/>
+          <a:p>
+            <a:r>
+              <a:rPr lang="es-ES" dirty="0"/>
+              <a:t>Es una técnica que consiste en </a:t>
+            </a:r>
+            <a:r>
+              <a:rPr lang="es-ES" b="1" dirty="0"/>
+              <a:t>medir, comparar y analizar el rendimiento</a:t>
+            </a:r>
+            <a:r>
+              <a:rPr lang="es-ES" dirty="0"/>
+              <a:t> de un sistema, proceso o componente frente a otros similares, con el objetivo de identificar oportunidades de mejora y adoptar las mejores prácticas.</a:t>
+            </a:r>
+          </a:p>
+          <a:p>
+            <a:endParaRPr lang="es-ES" dirty="0"/>
+          </a:p>
+          <a:p>
+            <a:r>
+              <a:rPr lang="es-ES" b="1" dirty="0"/>
+              <a:t>Consiste en:</a:t>
+            </a:r>
+          </a:p>
+          <a:p>
+            <a:pPr lvl="1"/>
+            <a:r>
+              <a:rPr lang="es-ES" dirty="0"/>
+              <a:t>Ejecutar pruebas de rendimiento sobre un programa, función o sistema</a:t>
+            </a:r>
+          </a:p>
+          <a:p>
+            <a:endParaRPr lang="es-ES" dirty="0"/>
+          </a:p>
+          <a:p>
+            <a:pPr lvl="1"/>
+            <a:r>
+              <a:rPr lang="es-ES" dirty="0"/>
+              <a:t>Medir métricas como tiempo de ejecución, uso de CPU, memoria, latencia, etc.</a:t>
+            </a:r>
+          </a:p>
+          <a:p>
+            <a:endParaRPr lang="es-ES" dirty="0"/>
+          </a:p>
+          <a:p>
+            <a:pPr lvl="1"/>
+            <a:r>
+              <a:rPr lang="es-ES" dirty="0"/>
+              <a:t>Comparar esos resultados con otras versiones, competidores o estándares</a:t>
+            </a:r>
+          </a:p>
+        </p:txBody>
+      </p:sp>
+      <p:sp>
+        <p:nvSpPr>
+          <p:cNvPr id="4" name="Marcador de número de diapositiva 3">
+            <a:extLst>
+              <a:ext uri="{FF2B5EF4-FFF2-40B4-BE49-F238E27FC236}">
+                <a16:creationId xmlns:a16="http://schemas.microsoft.com/office/drawing/2014/main" id="{F8B50428-13EC-0118-8FF7-FC4CC8149071}"/>
+              </a:ext>
+            </a:extLst>
+          </p:cNvPr>
+          <p:cNvSpPr>
+            <a:spLocks noGrp="1"/>
+          </p:cNvSpPr>
+          <p:nvPr>
+            <p:ph type="sldNum" sz="quarter" idx="12"/>
+          </p:nvPr>
+        </p:nvSpPr>
+        <p:spPr/>
+        <p:txBody>
+          <a:bodyPr/>
+          <a:lstStyle/>
+          <a:p>
+            <a:fld id="{927B4081-9AA4-4402-8B96-87C4C53A8D10}" type="slidenum">
+              <a:rPr lang="es-ES" smtClean="0"/>
+              <a:t>9</a:t>
+            </a:fld>
+            <a:endParaRPr lang="es-ES"/>
+          </a:p>
+        </p:txBody>
+      </p:sp>
+    </p:spTree>
+    <p:extLst>
+      <p:ext uri="{BB962C8B-B14F-4D97-AF65-F5344CB8AC3E}">
+        <p14:creationId xmlns:p14="http://schemas.microsoft.com/office/powerpoint/2010/main" val="1220700635"/>
       </p:ext>
     </p:extLst>
   </p:cSld>

--- a/doc/5_Optimizacion_Gestion_Recursos_Microservicios_C++.pptx
+++ b/doc/5_Optimizacion_Gestion_Recursos_Microservicios_C++.pptx
@@ -5,7 +5,7 @@
     <p:sldMasterId id="2147483648" r:id="rId1"/>
   </p:sldMasterIdLst>
   <p:notesMasterIdLst>
-    <p:notesMasterId r:id="rId24"/>
+    <p:notesMasterId r:id="rId25"/>
   </p:notesMasterIdLst>
   <p:sldIdLst>
     <p:sldId id="256" r:id="rId2"/>
@@ -23,13 +23,14 @@
     <p:sldId id="266" r:id="rId14"/>
     <p:sldId id="261" r:id="rId15"/>
     <p:sldId id="267" r:id="rId16"/>
-    <p:sldId id="268" r:id="rId17"/>
-    <p:sldId id="271" r:id="rId18"/>
-    <p:sldId id="270" r:id="rId19"/>
-    <p:sldId id="272" r:id="rId20"/>
-    <p:sldId id="273" r:id="rId21"/>
-    <p:sldId id="274" r:id="rId22"/>
+    <p:sldId id="278" r:id="rId17"/>
+    <p:sldId id="268" r:id="rId18"/>
+    <p:sldId id="271" r:id="rId19"/>
+    <p:sldId id="270" r:id="rId20"/>
+    <p:sldId id="272" r:id="rId21"/>
+    <p:sldId id="273" r:id="rId22"/>
     <p:sldId id="275" r:id="rId23"/>
+    <p:sldId id="274" r:id="rId24"/>
   </p:sldIdLst>
   <p:sldSz cx="12192000" cy="6858000"/>
   <p:notesSz cx="6858000" cy="9144000"/>
@@ -4557,7 +4558,7 @@
           <a:p>
             <a:r>
               <a:rPr lang="es-ES" dirty="0" err="1"/>
-              <a:t>Valgrind</a:t>
+              <a:t>valgrind</a:t>
             </a:r>
             <a:r>
               <a:rPr lang="es-ES" dirty="0"/>
@@ -4807,7 +4808,7 @@
           <p:cNvPr id="2" name="Título 1">
             <a:extLst>
               <a:ext uri="{FF2B5EF4-FFF2-40B4-BE49-F238E27FC236}">
-                <a16:creationId xmlns:a16="http://schemas.microsoft.com/office/drawing/2014/main" id="{5E61B26B-ECBA-61F8-84F1-D42586B74F81}"/>
+                <a16:creationId xmlns:a16="http://schemas.microsoft.com/office/drawing/2014/main" id="{24333BD7-460B-5E27-33AF-5A58CC3FE71D}"/>
               </a:ext>
             </a:extLst>
           </p:cNvPr>
@@ -4823,140 +4824,112 @@
           <a:bodyPr/>
           <a:lstStyle/>
           <a:p>
-            <a:r>
-              <a:rPr lang="es-ES" dirty="0" err="1"/>
-              <a:t>Valgrind</a:t>
-            </a:r>
-            <a:endParaRPr lang="es-ES" dirty="0"/>
-          </a:p>
-        </p:txBody>
-      </p:sp>
-      <p:sp>
-        <p:nvSpPr>
-          <p:cNvPr id="3" name="Marcador de contenido 2">
-            <a:extLst>
-              <a:ext uri="{FF2B5EF4-FFF2-40B4-BE49-F238E27FC236}">
-                <a16:creationId xmlns:a16="http://schemas.microsoft.com/office/drawing/2014/main" id="{D32F0DF4-9DFD-2BB3-4FCE-772089E59103}"/>
-              </a:ext>
-            </a:extLst>
-          </p:cNvPr>
-          <p:cNvSpPr>
-            <a:spLocks noGrp="1"/>
-          </p:cNvSpPr>
-          <p:nvPr>
-            <p:ph idx="1"/>
-          </p:nvPr>
-        </p:nvSpPr>
-        <p:spPr/>
-        <p:txBody>
-          <a:bodyPr/>
-          <a:lstStyle/>
-          <a:p>
-            <a:r>
-              <a:rPr lang="es-ES" dirty="0"/>
-              <a:t>Podemos </a:t>
-            </a:r>
-            <a:r>
-              <a:rPr lang="es-ES" b="1" dirty="0"/>
-              <a:t>detectar</a:t>
-            </a:r>
-            <a:r>
-              <a:rPr lang="es-ES" dirty="0"/>
-              <a:t>:</a:t>
-            </a:r>
-          </a:p>
-          <a:p>
-            <a:pPr lvl="1"/>
-            <a:r>
-              <a:rPr lang="es-ES" dirty="0"/>
-              <a:t>Fugas de memoria en las clases que utilizan memoria dinámica</a:t>
-            </a:r>
-          </a:p>
-          <a:p>
-            <a:pPr lvl="1"/>
-            <a:r>
-              <a:rPr lang="es-ES" dirty="0"/>
-              <a:t>Accesos inválidos a memoria.</a:t>
-            </a:r>
-          </a:p>
-          <a:p>
-            <a:pPr lvl="1"/>
-            <a:r>
-              <a:rPr lang="es-ES" dirty="0"/>
-              <a:t>Uso incorrecto de new / </a:t>
-            </a:r>
-            <a:r>
-              <a:rPr lang="es-ES" dirty="0" err="1"/>
-              <a:t>delete</a:t>
-            </a:r>
-            <a:r>
-              <a:rPr lang="es-ES" dirty="0"/>
-              <a:t> o </a:t>
-            </a:r>
-            <a:r>
-              <a:rPr lang="es-ES" dirty="0" err="1"/>
-              <a:t>malloc</a:t>
-            </a:r>
-            <a:r>
-              <a:rPr lang="es-ES" dirty="0"/>
-              <a:t> / free</a:t>
-            </a:r>
-          </a:p>
-          <a:p>
-            <a:pPr lvl="1"/>
-            <a:r>
-              <a:rPr lang="es-ES" dirty="0"/>
-              <a:t>Consumo excesivo del </a:t>
-            </a:r>
-            <a:r>
-              <a:rPr lang="es-ES" dirty="0" err="1"/>
-              <a:t>Heap</a:t>
-            </a:r>
-            <a:endParaRPr lang="es-ES" dirty="0"/>
-          </a:p>
-          <a:p>
-            <a:pPr lvl="1"/>
-            <a:endParaRPr lang="es-ES" dirty="0"/>
-          </a:p>
-          <a:p>
-            <a:pPr lvl="1"/>
-            <a:endParaRPr lang="es-ES" dirty="0"/>
-          </a:p>
-          <a:p>
-            <a:r>
-              <a:rPr lang="es-ES" b="1" dirty="0"/>
-              <a:t>Aplicarlo</a:t>
-            </a:r>
-            <a:r>
-              <a:rPr lang="es-ES" dirty="0"/>
-              <a:t>:</a:t>
-            </a:r>
-          </a:p>
-          <a:p>
-            <a:pPr lvl="1"/>
             <a:r>
               <a:rPr lang="es-ES" dirty="0" err="1"/>
               <a:t>valgrind</a:t>
             </a:r>
             <a:r>
               <a:rPr lang="es-ES" dirty="0"/>
+              <a:t>: instalación en WSL2</a:t>
+            </a:r>
+          </a:p>
+        </p:txBody>
+      </p:sp>
+      <p:sp>
+        <p:nvSpPr>
+          <p:cNvPr id="3" name="Marcador de contenido 2">
+            <a:extLst>
+              <a:ext uri="{FF2B5EF4-FFF2-40B4-BE49-F238E27FC236}">
+                <a16:creationId xmlns:a16="http://schemas.microsoft.com/office/drawing/2014/main" id="{B77C4A6F-F9CA-6842-134F-C5AB7F6148B2}"/>
+              </a:ext>
+            </a:extLst>
+          </p:cNvPr>
+          <p:cNvSpPr>
+            <a:spLocks noGrp="1"/>
+          </p:cNvSpPr>
+          <p:nvPr>
+            <p:ph idx="1"/>
+          </p:nvPr>
+        </p:nvSpPr>
+        <p:spPr/>
+        <p:txBody>
+          <a:bodyPr/>
+          <a:lstStyle/>
+          <a:p>
+            <a:r>
+              <a:rPr lang="es-ES" dirty="0"/>
+              <a:t>Una vez instalado, añadir esta línea al fichero: </a:t>
+            </a:r>
+            <a:r>
+              <a:rPr lang="es-ES" b="1" dirty="0"/>
+              <a:t>.</a:t>
+            </a:r>
+            <a:r>
+              <a:rPr lang="es-ES" b="1" dirty="0" err="1"/>
+              <a:t>bashrc</a:t>
+            </a:r>
+            <a:endParaRPr lang="es-ES" b="1" dirty="0"/>
+          </a:p>
+          <a:p>
+            <a:pPr lvl="1"/>
+            <a:r>
+              <a:rPr lang="en-US" b="1" dirty="0"/>
+              <a:t>export PATH=$PATH:/</a:t>
+            </a:r>
+            <a:r>
+              <a:rPr lang="en-US" b="1" dirty="0" err="1"/>
+              <a:t>usr</a:t>
+            </a:r>
+            <a:r>
+              <a:rPr lang="en-US" b="1" dirty="0"/>
+              <a:t>/local/bin</a:t>
+            </a:r>
+          </a:p>
+          <a:p>
+            <a:endParaRPr lang="es-ES" dirty="0"/>
+          </a:p>
+          <a:p>
+            <a:r>
+              <a:rPr lang="es-ES" b="1" dirty="0"/>
+              <a:t>Prueba</a:t>
+            </a:r>
+            <a:r>
+              <a:rPr lang="es-ES" dirty="0"/>
+              <a:t>:</a:t>
+            </a:r>
+          </a:p>
+          <a:p>
+            <a:pPr lvl="1"/>
+            <a:r>
+              <a:rPr lang="es-ES" b="1" dirty="0" err="1"/>
+              <a:t>valgrind</a:t>
+            </a:r>
+            <a:r>
+              <a:rPr lang="es-ES" b="1" dirty="0"/>
               <a:t> --</a:t>
             </a:r>
             <a:r>
-              <a:rPr lang="es-ES" dirty="0" err="1"/>
-              <a:t>tool</a:t>
-            </a:r>
-            <a:r>
-              <a:rPr lang="es-ES" dirty="0"/>
-              <a:t>=</a:t>
-            </a:r>
-            <a:r>
-              <a:rPr lang="es-ES" dirty="0" err="1"/>
-              <a:t>memcheck</a:t>
-            </a:r>
-            <a:r>
-              <a:rPr lang="es-ES" dirty="0"/>
-              <a:t> ./microservicio</a:t>
+              <a:rPr lang="es-ES" b="1" dirty="0" err="1"/>
+              <a:t>version</a:t>
+            </a:r>
+            <a:endParaRPr lang="es-ES" dirty="0"/>
+          </a:p>
+          <a:p>
+            <a:pPr lvl="1"/>
+            <a:endParaRPr lang="es-ES" b="1" dirty="0"/>
+          </a:p>
+          <a:p>
+            <a:pPr lvl="1"/>
+            <a:r>
+              <a:rPr lang="es-ES" b="1" dirty="0"/>
+              <a:t>Debería responder:</a:t>
+            </a:r>
+          </a:p>
+          <a:p>
+            <a:pPr lvl="1"/>
+            <a:r>
+              <a:rPr lang="es-ES" dirty="0"/>
+              <a:t>valgrind-3.25.1</a:t>
             </a:r>
           </a:p>
         </p:txBody>
@@ -4966,7 +4939,7 @@
           <p:cNvPr id="4" name="Marcador de número de diapositiva 3">
             <a:extLst>
               <a:ext uri="{FF2B5EF4-FFF2-40B4-BE49-F238E27FC236}">
-                <a16:creationId xmlns:a16="http://schemas.microsoft.com/office/drawing/2014/main" id="{A1B4D82E-FA78-13B1-E4B4-08767705898A}"/>
+                <a16:creationId xmlns:a16="http://schemas.microsoft.com/office/drawing/2014/main" id="{1B960114-7802-33D0-4205-C153E4026D77}"/>
               </a:ext>
             </a:extLst>
           </p:cNvPr>
@@ -4993,7 +4966,7 @@
     </p:spTree>
     <p:extLst>
       <p:ext uri="{BB962C8B-B14F-4D97-AF65-F5344CB8AC3E}">
-        <p14:creationId xmlns:p14="http://schemas.microsoft.com/office/powerpoint/2010/main" val="19944860"/>
+        <p14:creationId xmlns:p14="http://schemas.microsoft.com/office/powerpoint/2010/main" val="4136964701"/>
       </p:ext>
     </p:extLst>
   </p:cSld>
@@ -5025,7 +4998,7 @@
           <p:cNvPr id="2" name="Título 1">
             <a:extLst>
               <a:ext uri="{FF2B5EF4-FFF2-40B4-BE49-F238E27FC236}">
-                <a16:creationId xmlns:a16="http://schemas.microsoft.com/office/drawing/2014/main" id="{10087365-9647-5121-CDCD-5813C4CE14FD}"/>
+                <a16:creationId xmlns:a16="http://schemas.microsoft.com/office/drawing/2014/main" id="{5E61B26B-ECBA-61F8-84F1-D42586B74F81}"/>
               </a:ext>
             </a:extLst>
           </p:cNvPr>
@@ -5043,12 +5016,9 @@
           <a:p>
             <a:r>
               <a:rPr lang="es-ES" dirty="0" err="1"/>
-              <a:t>Gprof</a:t>
-            </a:r>
-            <a:r>
-              <a:rPr lang="es-ES" dirty="0"/>
-              <a:t>: instalación en WSL2</a:t>
-            </a:r>
+              <a:t>valgrind</a:t>
+            </a:r>
+            <a:endParaRPr lang="es-ES" dirty="0"/>
           </a:p>
         </p:txBody>
       </p:sp>
@@ -5057,7 +5027,7 @@
           <p:cNvPr id="3" name="Marcador de contenido 2">
             <a:extLst>
               <a:ext uri="{FF2B5EF4-FFF2-40B4-BE49-F238E27FC236}">
-                <a16:creationId xmlns:a16="http://schemas.microsoft.com/office/drawing/2014/main" id="{7960A517-0EA4-4450-07CD-15F3F6FB536B}"/>
+                <a16:creationId xmlns:a16="http://schemas.microsoft.com/office/drawing/2014/main" id="{D32F0DF4-9DFD-2BB3-4FCE-772089E59103}"/>
               </a:ext>
             </a:extLst>
           </p:cNvPr>
@@ -5073,7 +5043,112 @@
           <a:bodyPr/>
           <a:lstStyle/>
           <a:p>
-            <a:endParaRPr lang="es-ES"/>
+            <a:r>
+              <a:rPr lang="es-ES" dirty="0"/>
+              <a:t>Podemos </a:t>
+            </a:r>
+            <a:r>
+              <a:rPr lang="es-ES" b="1" dirty="0"/>
+              <a:t>detectar</a:t>
+            </a:r>
+            <a:r>
+              <a:rPr lang="es-ES" dirty="0"/>
+              <a:t>:</a:t>
+            </a:r>
+          </a:p>
+          <a:p>
+            <a:pPr lvl="1"/>
+            <a:r>
+              <a:rPr lang="es-ES" dirty="0"/>
+              <a:t>Fugas de memoria en las clases que utilizan memoria dinámica</a:t>
+            </a:r>
+          </a:p>
+          <a:p>
+            <a:pPr lvl="1"/>
+            <a:r>
+              <a:rPr lang="es-ES" dirty="0"/>
+              <a:t>Accesos inválidos a memoria.</a:t>
+            </a:r>
+          </a:p>
+          <a:p>
+            <a:pPr lvl="1"/>
+            <a:r>
+              <a:rPr lang="es-ES" dirty="0"/>
+              <a:t>Uso incorrecto de new / </a:t>
+            </a:r>
+            <a:r>
+              <a:rPr lang="es-ES" dirty="0" err="1"/>
+              <a:t>delete</a:t>
+            </a:r>
+            <a:r>
+              <a:rPr lang="es-ES" dirty="0"/>
+              <a:t> o </a:t>
+            </a:r>
+            <a:r>
+              <a:rPr lang="es-ES" dirty="0" err="1"/>
+              <a:t>malloc</a:t>
+            </a:r>
+            <a:r>
+              <a:rPr lang="es-ES" dirty="0"/>
+              <a:t> / free</a:t>
+            </a:r>
+          </a:p>
+          <a:p>
+            <a:pPr lvl="1"/>
+            <a:r>
+              <a:rPr lang="es-ES" dirty="0"/>
+              <a:t>Consumo excesivo del </a:t>
+            </a:r>
+            <a:r>
+              <a:rPr lang="es-ES" dirty="0" err="1"/>
+              <a:t>Heap</a:t>
+            </a:r>
+            <a:endParaRPr lang="es-ES" dirty="0"/>
+          </a:p>
+          <a:p>
+            <a:pPr lvl="1"/>
+            <a:endParaRPr lang="es-ES" dirty="0"/>
+          </a:p>
+          <a:p>
+            <a:pPr lvl="1"/>
+            <a:endParaRPr lang="es-ES" dirty="0"/>
+          </a:p>
+          <a:p>
+            <a:r>
+              <a:rPr lang="es-ES" b="1" dirty="0"/>
+              <a:t>Aplicarlo</a:t>
+            </a:r>
+            <a:r>
+              <a:rPr lang="es-ES" dirty="0"/>
+              <a:t>:</a:t>
+            </a:r>
+          </a:p>
+          <a:p>
+            <a:pPr lvl="1"/>
+            <a:r>
+              <a:rPr lang="es-ES" dirty="0" err="1"/>
+              <a:t>valgrind</a:t>
+            </a:r>
+            <a:r>
+              <a:rPr lang="es-ES" dirty="0"/>
+              <a:t> --</a:t>
+            </a:r>
+            <a:r>
+              <a:rPr lang="es-ES" dirty="0" err="1"/>
+              <a:t>tool</a:t>
+            </a:r>
+            <a:r>
+              <a:rPr lang="es-ES" dirty="0"/>
+              <a:t>=</a:t>
+            </a:r>
+            <a:r>
+              <a:rPr lang="es-ES" dirty="0" err="1"/>
+              <a:t>memcheck</a:t>
+            </a:r>
+            <a:r>
+              <a:rPr lang="es-ES" dirty="0"/>
+              <a:t> ./microservicio</a:t>
+            </a:r>
           </a:p>
         </p:txBody>
       </p:sp>
@@ -5082,7 +5157,7 @@
           <p:cNvPr id="4" name="Marcador de número de diapositiva 3">
             <a:extLst>
               <a:ext uri="{FF2B5EF4-FFF2-40B4-BE49-F238E27FC236}">
-                <a16:creationId xmlns:a16="http://schemas.microsoft.com/office/drawing/2014/main" id="{C1471FE0-986F-97C3-E47A-2D54256E0BB4}"/>
+                <a16:creationId xmlns:a16="http://schemas.microsoft.com/office/drawing/2014/main" id="{A1B4D82E-FA78-13B1-E4B4-08767705898A}"/>
               </a:ext>
             </a:extLst>
           </p:cNvPr>
@@ -5109,7 +5184,7 @@
     </p:spTree>
     <p:extLst>
       <p:ext uri="{BB962C8B-B14F-4D97-AF65-F5344CB8AC3E}">
-        <p14:creationId xmlns:p14="http://schemas.microsoft.com/office/powerpoint/2010/main" val="2495934522"/>
+        <p14:creationId xmlns:p14="http://schemas.microsoft.com/office/powerpoint/2010/main" val="19944860"/>
       </p:ext>
     </p:extLst>
   </p:cSld>
@@ -5141,7 +5216,7 @@
           <p:cNvPr id="2" name="Título 1">
             <a:extLst>
               <a:ext uri="{FF2B5EF4-FFF2-40B4-BE49-F238E27FC236}">
-                <a16:creationId xmlns:a16="http://schemas.microsoft.com/office/drawing/2014/main" id="{41D77D8D-7666-F147-0A2E-5EB83F876904}"/>
+                <a16:creationId xmlns:a16="http://schemas.microsoft.com/office/drawing/2014/main" id="{10087365-9647-5121-CDCD-5813C4CE14FD}"/>
               </a:ext>
             </a:extLst>
           </p:cNvPr>
@@ -5152,12 +5227,7 @@
             <p:ph type="title"/>
           </p:nvPr>
         </p:nvSpPr>
-        <p:spPr>
-          <a:xfrm>
-            <a:off x="838200" y="365125"/>
-            <a:ext cx="10515600" cy="898067"/>
-          </a:xfrm>
-        </p:spPr>
+        <p:spPr/>
         <p:txBody>
           <a:bodyPr/>
           <a:lstStyle/>
@@ -5166,162 +5236,146 @@
               <a:rPr lang="es-ES" dirty="0" err="1"/>
               <a:t>gprof</a:t>
             </a:r>
+            <a:r>
+              <a:rPr lang="es-ES" dirty="0"/>
+              <a:t>: instalación en WSL2</a:t>
+            </a:r>
+          </a:p>
+        </p:txBody>
+      </p:sp>
+      <p:sp>
+        <p:nvSpPr>
+          <p:cNvPr id="3" name="Marcador de contenido 2">
+            <a:extLst>
+              <a:ext uri="{FF2B5EF4-FFF2-40B4-BE49-F238E27FC236}">
+                <a16:creationId xmlns:a16="http://schemas.microsoft.com/office/drawing/2014/main" id="{7960A517-0EA4-4450-07CD-15F3F6FB536B}"/>
+              </a:ext>
+            </a:extLst>
+          </p:cNvPr>
+          <p:cNvSpPr>
+            <a:spLocks noGrp="1"/>
+          </p:cNvSpPr>
+          <p:nvPr>
+            <p:ph idx="1"/>
+          </p:nvPr>
+        </p:nvSpPr>
+        <p:spPr/>
+        <p:txBody>
+          <a:bodyPr>
+            <a:normAutofit/>
+          </a:bodyPr>
+          <a:lstStyle/>
+          <a:p>
+            <a:r>
+              <a:rPr lang="es-ES" b="1" dirty="0"/>
+              <a:t>sudo </a:t>
+            </a:r>
+            <a:r>
+              <a:rPr lang="es-ES" b="1" dirty="0" err="1"/>
+              <a:t>apt</a:t>
+            </a:r>
+            <a:r>
+              <a:rPr lang="es-ES" b="1" dirty="0"/>
+              <a:t> </a:t>
+            </a:r>
+            <a:r>
+              <a:rPr lang="es-ES" b="1" dirty="0" err="1"/>
+              <a:t>update</a:t>
+            </a:r>
+            <a:endParaRPr lang="es-ES" b="1" dirty="0"/>
+          </a:p>
+          <a:p>
+            <a:r>
+              <a:rPr lang="es-ES" b="1" dirty="0"/>
+              <a:t>sudo </a:t>
+            </a:r>
+            <a:r>
+              <a:rPr lang="es-ES" b="1" dirty="0" err="1"/>
+              <a:t>apt</a:t>
+            </a:r>
+            <a:r>
+              <a:rPr lang="es-ES" b="1" dirty="0"/>
+              <a:t> </a:t>
+            </a:r>
+            <a:r>
+              <a:rPr lang="es-ES" b="1" dirty="0" err="1"/>
+              <a:t>install</a:t>
+            </a:r>
+            <a:r>
+              <a:rPr lang="es-ES" b="1" dirty="0"/>
+              <a:t> </a:t>
+            </a:r>
+            <a:r>
+              <a:rPr lang="es-ES" b="1" dirty="0" err="1"/>
+              <a:t>binutils</a:t>
+            </a:r>
+            <a:endParaRPr lang="es-ES" b="1" dirty="0"/>
+          </a:p>
+          <a:p>
             <a:endParaRPr lang="es-ES" dirty="0"/>
           </a:p>
-        </p:txBody>
-      </p:sp>
-      <p:sp>
-        <p:nvSpPr>
-          <p:cNvPr id="3" name="Marcador de contenido 2">
-            <a:extLst>
-              <a:ext uri="{FF2B5EF4-FFF2-40B4-BE49-F238E27FC236}">
-                <a16:creationId xmlns:a16="http://schemas.microsoft.com/office/drawing/2014/main" id="{23B86A61-0AE4-F1DA-D900-6F90501CD56A}"/>
-              </a:ext>
-            </a:extLst>
-          </p:cNvPr>
-          <p:cNvSpPr>
-            <a:spLocks noGrp="1"/>
-          </p:cNvSpPr>
-          <p:nvPr>
-            <p:ph idx="1"/>
-          </p:nvPr>
-        </p:nvSpPr>
-        <p:spPr>
-          <a:xfrm>
-            <a:off x="707011" y="1442302"/>
-            <a:ext cx="10746556" cy="5118754"/>
-          </a:xfrm>
-        </p:spPr>
-        <p:txBody>
-          <a:bodyPr>
-            <a:normAutofit lnSpcReduction="10000"/>
-          </a:bodyPr>
-          <a:lstStyle/>
-          <a:p>
-            <a:r>
-              <a:rPr lang="es-ES" dirty="0"/>
-              <a:t>Permite detectar:</a:t>
-            </a:r>
-          </a:p>
-          <a:p>
-            <a:pPr lvl="1"/>
-            <a:r>
-              <a:rPr lang="es-ES" dirty="0"/>
-              <a:t>Qué funciones consumen más tiempo</a:t>
-            </a:r>
-          </a:p>
-          <a:p>
-            <a:pPr lvl="1"/>
-            <a:r>
-              <a:rPr lang="es-ES" dirty="0"/>
-              <a:t>Cuántas veces se llaman</a:t>
-            </a:r>
-          </a:p>
-          <a:p>
-            <a:pPr lvl="1"/>
-            <a:r>
-              <a:rPr lang="es-ES" dirty="0"/>
-              <a:t>Relación entre funciones (quien llama a quien)</a:t>
-            </a:r>
-          </a:p>
-          <a:p>
-            <a:pPr lvl="1"/>
-            <a:endParaRPr lang="es-ES" dirty="0"/>
-          </a:p>
-          <a:p>
-            <a:r>
-              <a:rPr lang="es-ES" b="1" dirty="0"/>
-              <a:t>Aplicarlo</a:t>
-            </a:r>
-            <a:r>
-              <a:rPr lang="es-ES" dirty="0"/>
-              <a:t>:</a:t>
-            </a:r>
-          </a:p>
-          <a:p>
-            <a:pPr lvl="1"/>
-            <a:r>
-              <a:rPr lang="es-ES" dirty="0"/>
-              <a:t>Compilar con la opción –</a:t>
-            </a:r>
-            <a:r>
-              <a:rPr lang="es-ES" dirty="0" err="1"/>
-              <a:t>pg</a:t>
-            </a:r>
-            <a:r>
-              <a:rPr lang="es-ES" dirty="0"/>
-              <a:t>:</a:t>
-            </a:r>
-          </a:p>
-          <a:p>
-            <a:pPr lvl="2"/>
-            <a:r>
-              <a:rPr lang="es-ES" dirty="0"/>
-              <a:t>g++ -</a:t>
-            </a:r>
-            <a:r>
-              <a:rPr lang="es-ES" dirty="0" err="1"/>
-              <a:t>pg</a:t>
-            </a:r>
-            <a:r>
-              <a:rPr lang="es-ES" dirty="0"/>
-              <a:t> main.cpp –o microservicio</a:t>
-            </a:r>
-          </a:p>
-          <a:p>
-            <a:pPr lvl="2"/>
-            <a:endParaRPr lang="es-ES" dirty="0"/>
-          </a:p>
-          <a:p>
-            <a:pPr lvl="1"/>
-            <a:r>
-              <a:rPr lang="es-ES" dirty="0"/>
-              <a:t>Ejecutar el programa normalmente:</a:t>
-            </a:r>
-          </a:p>
-          <a:p>
-            <a:pPr lvl="2"/>
-            <a:r>
-              <a:rPr lang="es-ES" dirty="0"/>
-              <a:t>./microservicio</a:t>
-            </a:r>
-          </a:p>
-          <a:p>
-            <a:pPr lvl="2"/>
-            <a:endParaRPr lang="es-ES" dirty="0"/>
-          </a:p>
-          <a:p>
-            <a:pPr lvl="1"/>
-            <a:r>
-              <a:rPr lang="es-ES" dirty="0"/>
-              <a:t>Generar el perfil:</a:t>
-            </a:r>
-          </a:p>
-          <a:p>
-            <a:pPr lvl="2"/>
+          <a:p>
             <a:r>
               <a:rPr lang="es-ES" b="1" dirty="0" err="1"/>
               <a:t>gprof</a:t>
             </a:r>
             <a:r>
-              <a:rPr lang="es-ES" dirty="0"/>
-              <a:t> microservicio </a:t>
-            </a:r>
-            <a:r>
-              <a:rPr lang="es-ES" dirty="0" err="1"/>
-              <a:t>gmon.out</a:t>
-            </a:r>
-            <a:r>
-              <a:rPr lang="es-ES" dirty="0"/>
-              <a:t> &gt; perfil.txt</a:t>
-            </a:r>
-          </a:p>
-          <a:p>
-            <a:pPr lvl="2"/>
+              <a:rPr lang="es-ES" b="1" dirty="0"/>
+              <a:t> --</a:t>
+            </a:r>
+            <a:r>
+              <a:rPr lang="es-ES" b="1" dirty="0" err="1"/>
+              <a:t>version</a:t>
+            </a:r>
+            <a:endParaRPr lang="es-ES" b="1" dirty="0"/>
+          </a:p>
+          <a:p>
+            <a:pPr lvl="1"/>
+            <a:r>
+              <a:rPr lang="en-US" dirty="0"/>
+              <a:t>GNU </a:t>
+            </a:r>
+            <a:r>
+              <a:rPr lang="en-US" dirty="0" err="1"/>
+              <a:t>gprof</a:t>
+            </a:r>
+            <a:r>
+              <a:rPr lang="en-US" dirty="0"/>
+              <a:t> (GNU </a:t>
+            </a:r>
+            <a:r>
+              <a:rPr lang="en-US" dirty="0" err="1"/>
+              <a:t>Binutils</a:t>
+            </a:r>
+            <a:r>
+              <a:rPr lang="en-US" dirty="0"/>
+              <a:t> for Ubuntu) 2.38</a:t>
+            </a:r>
+          </a:p>
+          <a:p>
+            <a:pPr lvl="1"/>
+            <a:r>
+              <a:rPr lang="en-US" dirty="0"/>
+              <a:t>Based on BSD </a:t>
+            </a:r>
+            <a:r>
+              <a:rPr lang="en-US" dirty="0" err="1"/>
+              <a:t>gprof</a:t>
+            </a:r>
+            <a:r>
+              <a:rPr lang="en-US" dirty="0"/>
+              <a:t>, copyright 1983 Regents of the University of California.</a:t>
+            </a:r>
+          </a:p>
+          <a:p>
+            <a:pPr lvl="1"/>
+            <a:r>
+              <a:rPr lang="en-US" dirty="0"/>
+              <a:t>This program is free software.  This program has absolutely no warranty.</a:t>
+            </a:r>
             <a:endParaRPr lang="es-ES" dirty="0"/>
           </a:p>
           <a:p>
-            <a:pPr lvl="1"/>
             <a:endParaRPr lang="es-ES" dirty="0"/>
           </a:p>
         </p:txBody>
@@ -5331,7 +5385,7 @@
           <p:cNvPr id="4" name="Marcador de número de diapositiva 3">
             <a:extLst>
               <a:ext uri="{FF2B5EF4-FFF2-40B4-BE49-F238E27FC236}">
-                <a16:creationId xmlns:a16="http://schemas.microsoft.com/office/drawing/2014/main" id="{1C2BC51A-742C-0F62-7090-09646F32E194}"/>
+                <a16:creationId xmlns:a16="http://schemas.microsoft.com/office/drawing/2014/main" id="{C1471FE0-986F-97C3-E47A-2D54256E0BB4}"/>
               </a:ext>
             </a:extLst>
           </p:cNvPr>
@@ -5358,7 +5412,7 @@
     </p:spTree>
     <p:extLst>
       <p:ext uri="{BB962C8B-B14F-4D97-AF65-F5344CB8AC3E}">
-        <p14:creationId xmlns:p14="http://schemas.microsoft.com/office/powerpoint/2010/main" val="2182288162"/>
+        <p14:creationId xmlns:p14="http://schemas.microsoft.com/office/powerpoint/2010/main" val="2495934522"/>
       </p:ext>
     </p:extLst>
   </p:cSld>
@@ -5390,7 +5444,7 @@
           <p:cNvPr id="2" name="Título 1">
             <a:extLst>
               <a:ext uri="{FF2B5EF4-FFF2-40B4-BE49-F238E27FC236}">
-                <a16:creationId xmlns:a16="http://schemas.microsoft.com/office/drawing/2014/main" id="{76117AC7-C927-F9F9-C8AD-2F32603F537B}"/>
+                <a16:creationId xmlns:a16="http://schemas.microsoft.com/office/drawing/2014/main" id="{41D77D8D-7666-F147-0A2E-5EB83F876904}"/>
               </a:ext>
             </a:extLst>
           </p:cNvPr>
@@ -5401,19 +5455,21 @@
             <p:ph type="title"/>
           </p:nvPr>
         </p:nvSpPr>
-        <p:spPr/>
+        <p:spPr>
+          <a:xfrm>
+            <a:off x="838200" y="365125"/>
+            <a:ext cx="10515600" cy="898067"/>
+          </a:xfrm>
+        </p:spPr>
         <p:txBody>
           <a:bodyPr/>
           <a:lstStyle/>
           <a:p>
             <a:r>
               <a:rPr lang="es-ES" dirty="0" err="1"/>
-              <a:t>Perf</a:t>
-            </a:r>
-            <a:r>
-              <a:rPr lang="es-ES" dirty="0"/>
-              <a:t>: instalación en WSL2</a:t>
-            </a:r>
+              <a:t>gprof</a:t>
+            </a:r>
+            <a:endParaRPr lang="es-ES" dirty="0"/>
           </a:p>
         </p:txBody>
       </p:sp>
@@ -5422,7 +5478,7 @@
           <p:cNvPr id="3" name="Marcador de contenido 2">
             <a:extLst>
               <a:ext uri="{FF2B5EF4-FFF2-40B4-BE49-F238E27FC236}">
-                <a16:creationId xmlns:a16="http://schemas.microsoft.com/office/drawing/2014/main" id="{78010966-52E3-D725-4629-BFCBA54342F1}"/>
+                <a16:creationId xmlns:a16="http://schemas.microsoft.com/office/drawing/2014/main" id="{23B86A61-0AE4-F1DA-D900-6F90501CD56A}"/>
               </a:ext>
             </a:extLst>
           </p:cNvPr>
@@ -5433,12 +5489,148 @@
             <p:ph idx="1"/>
           </p:nvPr>
         </p:nvSpPr>
-        <p:spPr/>
-        <p:txBody>
-          <a:bodyPr/>
-          <a:lstStyle/>
-          <a:p>
-            <a:endParaRPr lang="es-ES"/>
+        <p:spPr>
+          <a:xfrm>
+            <a:off x="707011" y="1442302"/>
+            <a:ext cx="10746556" cy="5118754"/>
+          </a:xfrm>
+        </p:spPr>
+        <p:txBody>
+          <a:bodyPr>
+            <a:normAutofit lnSpcReduction="10000"/>
+          </a:bodyPr>
+          <a:lstStyle/>
+          <a:p>
+            <a:r>
+              <a:rPr lang="es-ES" dirty="0"/>
+              <a:t>Permite detectar:</a:t>
+            </a:r>
+          </a:p>
+          <a:p>
+            <a:pPr lvl="1"/>
+            <a:r>
+              <a:rPr lang="es-ES" dirty="0"/>
+              <a:t>Qué funciones consumen más tiempo</a:t>
+            </a:r>
+          </a:p>
+          <a:p>
+            <a:pPr lvl="1"/>
+            <a:r>
+              <a:rPr lang="es-ES" dirty="0"/>
+              <a:t>Cuántas veces se llaman</a:t>
+            </a:r>
+          </a:p>
+          <a:p>
+            <a:pPr lvl="1"/>
+            <a:r>
+              <a:rPr lang="es-ES" dirty="0"/>
+              <a:t>Relación entre funciones (quien llama a quien)</a:t>
+            </a:r>
+          </a:p>
+          <a:p>
+            <a:pPr lvl="1"/>
+            <a:endParaRPr lang="es-ES" dirty="0"/>
+          </a:p>
+          <a:p>
+            <a:r>
+              <a:rPr lang="es-ES" b="1" dirty="0"/>
+              <a:t>Aplicarlo</a:t>
+            </a:r>
+            <a:r>
+              <a:rPr lang="es-ES" dirty="0"/>
+              <a:t>:</a:t>
+            </a:r>
+          </a:p>
+          <a:p>
+            <a:pPr lvl="1"/>
+            <a:r>
+              <a:rPr lang="es-ES" dirty="0"/>
+              <a:t>Compilar con la opción –</a:t>
+            </a:r>
+            <a:r>
+              <a:rPr lang="es-ES" dirty="0" err="1"/>
+              <a:t>pg</a:t>
+            </a:r>
+            <a:r>
+              <a:rPr lang="es-ES" dirty="0"/>
+              <a:t>:</a:t>
+            </a:r>
+          </a:p>
+          <a:p>
+            <a:pPr lvl="2"/>
+            <a:r>
+              <a:rPr lang="pt-BR" dirty="0"/>
+              <a:t>g++ -</a:t>
+            </a:r>
+            <a:r>
+              <a:rPr lang="pt-BR" dirty="0" err="1"/>
+              <a:t>pg</a:t>
+            </a:r>
+            <a:r>
+              <a:rPr lang="pt-BR" dirty="0"/>
+              <a:t> -O2 main.cpp -o </a:t>
+            </a:r>
+            <a:r>
+              <a:rPr lang="pt-BR" dirty="0" err="1"/>
+              <a:t>microservicio</a:t>
+            </a:r>
+            <a:endParaRPr lang="pt-BR" dirty="0"/>
+          </a:p>
+          <a:p>
+            <a:pPr lvl="2"/>
+            <a:endParaRPr lang="es-ES" dirty="0"/>
+          </a:p>
+          <a:p>
+            <a:pPr lvl="1"/>
+            <a:r>
+              <a:rPr lang="es-ES" dirty="0"/>
+              <a:t>Ejecutar el programa normalmente:</a:t>
+            </a:r>
+          </a:p>
+          <a:p>
+            <a:pPr lvl="2"/>
+            <a:r>
+              <a:rPr lang="es-ES" dirty="0"/>
+              <a:t>./microservicio</a:t>
+            </a:r>
+          </a:p>
+          <a:p>
+            <a:pPr lvl="2"/>
+            <a:endParaRPr lang="es-ES" dirty="0"/>
+          </a:p>
+          <a:p>
+            <a:pPr lvl="1"/>
+            <a:r>
+              <a:rPr lang="es-ES" dirty="0"/>
+              <a:t>Generar el perfil:</a:t>
+            </a:r>
+          </a:p>
+          <a:p>
+            <a:pPr lvl="2"/>
+            <a:r>
+              <a:rPr lang="es-ES" b="1" dirty="0" err="1"/>
+              <a:t>gprof</a:t>
+            </a:r>
+            <a:r>
+              <a:rPr lang="es-ES" dirty="0"/>
+              <a:t> microservicio </a:t>
+            </a:r>
+            <a:r>
+              <a:rPr lang="es-ES" dirty="0" err="1"/>
+              <a:t>gmon.out</a:t>
+            </a:r>
+            <a:r>
+              <a:rPr lang="es-ES" dirty="0"/>
+              <a:t> &gt; perfil.txt</a:t>
+            </a:r>
+          </a:p>
+          <a:p>
+            <a:pPr lvl="2"/>
+            <a:endParaRPr lang="es-ES" dirty="0"/>
+          </a:p>
+          <a:p>
+            <a:pPr lvl="1"/>
+            <a:endParaRPr lang="es-ES" dirty="0"/>
           </a:p>
         </p:txBody>
       </p:sp>
@@ -5447,7 +5639,7 @@
           <p:cNvPr id="4" name="Marcador de número de diapositiva 3">
             <a:extLst>
               <a:ext uri="{FF2B5EF4-FFF2-40B4-BE49-F238E27FC236}">
-                <a16:creationId xmlns:a16="http://schemas.microsoft.com/office/drawing/2014/main" id="{D99C7823-E90A-886D-6502-A33165CE174E}"/>
+                <a16:creationId xmlns:a16="http://schemas.microsoft.com/office/drawing/2014/main" id="{1C2BC51A-742C-0F62-7090-09646F32E194}"/>
               </a:ext>
             </a:extLst>
           </p:cNvPr>
@@ -5474,7 +5666,7 @@
     </p:spTree>
     <p:extLst>
       <p:ext uri="{BB962C8B-B14F-4D97-AF65-F5344CB8AC3E}">
-        <p14:creationId xmlns:p14="http://schemas.microsoft.com/office/powerpoint/2010/main" val="984142292"/>
+        <p14:creationId xmlns:p14="http://schemas.microsoft.com/office/powerpoint/2010/main" val="2182288162"/>
       </p:ext>
     </p:extLst>
   </p:cSld>
@@ -5545,7 +5737,12 @@
             <p:ph idx="1"/>
           </p:nvPr>
         </p:nvSpPr>
-        <p:spPr/>
+        <p:spPr>
+          <a:xfrm>
+            <a:off x="838200" y="1825625"/>
+            <a:ext cx="10926452" cy="4895850"/>
+          </a:xfrm>
+        </p:spPr>
         <p:txBody>
           <a:bodyPr/>
           <a:lstStyle/>
@@ -5558,38 +5755,38 @@
           <a:p>
             <a:pPr lvl="1"/>
             <a:r>
-              <a:rPr lang="es-ES" dirty="0"/>
+              <a:rPr lang="es-ES" sz="2800" dirty="0"/>
               <a:t>Uso de técnicas de </a:t>
             </a:r>
             <a:r>
-              <a:rPr lang="es-ES" b="1" dirty="0"/>
+              <a:rPr lang="es-ES" sz="2800" b="1" dirty="0"/>
               <a:t>gestión de memoria </a:t>
             </a:r>
             <a:r>
-              <a:rPr lang="es-ES" dirty="0"/>
+              <a:rPr lang="es-ES" sz="2800" dirty="0"/>
               <a:t>eficiente (</a:t>
             </a:r>
             <a:r>
-              <a:rPr lang="es-ES" dirty="0" err="1"/>
+              <a:rPr lang="es-ES" sz="2800" dirty="0" err="1"/>
               <a:t>malloc</a:t>
             </a:r>
             <a:r>
-              <a:rPr lang="es-ES" dirty="0"/>
+              <a:rPr lang="es-ES" sz="2800" dirty="0"/>
               <a:t>/free, RAII). </a:t>
             </a:r>
           </a:p>
           <a:p>
             <a:pPr lvl="1"/>
             <a:r>
-              <a:rPr lang="es-ES" dirty="0"/>
+              <a:rPr lang="es-ES" sz="2800" dirty="0"/>
               <a:t>Minimización de la </a:t>
             </a:r>
             <a:r>
-              <a:rPr lang="es-ES" b="1" dirty="0"/>
+              <a:rPr lang="es-ES" sz="2800" b="1" dirty="0"/>
               <a:t>latencia</a:t>
             </a:r>
             <a:r>
-              <a:rPr lang="es-ES" dirty="0"/>
+              <a:rPr lang="es-ES" sz="2800" dirty="0"/>
               <a:t> en sistemas distribuidos con C++. </a:t>
             </a:r>
           </a:p>
@@ -5617,38 +5814,38 @@
           <a:p>
             <a:pPr lvl="1"/>
             <a:r>
-              <a:rPr lang="es-ES" dirty="0"/>
+              <a:rPr lang="es-ES" sz="2800" dirty="0"/>
               <a:t>Uso de herramientas como </a:t>
             </a:r>
             <a:r>
-              <a:rPr lang="es-ES" dirty="0" err="1"/>
-              <a:t>Valgrind</a:t>
-            </a:r>
-            <a:r>
-              <a:rPr lang="es-ES" dirty="0"/>
+              <a:rPr lang="es-ES" sz="2800" b="1" dirty="0" err="1"/>
+              <a:t>valgrind</a:t>
+            </a:r>
+            <a:r>
+              <a:rPr lang="es-ES" sz="2800" dirty="0"/>
               <a:t>, </a:t>
             </a:r>
             <a:r>
-              <a:rPr lang="es-ES" dirty="0" err="1"/>
+              <a:rPr lang="es-ES" sz="2800" b="1" dirty="0" err="1"/>
               <a:t>gprof</a:t>
             </a:r>
             <a:r>
-              <a:rPr lang="es-ES" dirty="0"/>
+              <a:rPr lang="es-ES" sz="2800" dirty="0"/>
               <a:t> o </a:t>
             </a:r>
             <a:r>
-              <a:rPr lang="es-ES" dirty="0" err="1"/>
+              <a:rPr lang="es-ES" sz="2800" b="1" dirty="0" err="1"/>
               <a:t>perf</a:t>
             </a:r>
             <a:r>
-              <a:rPr lang="es-ES" dirty="0"/>
+              <a:rPr lang="es-ES" sz="2800" dirty="0"/>
               <a:t>. </a:t>
             </a:r>
           </a:p>
           <a:p>
             <a:pPr lvl="1"/>
             <a:r>
-              <a:rPr lang="es-ES" dirty="0"/>
+              <a:rPr lang="es-ES" sz="2800" dirty="0"/>
               <a:t>Estrategias para mejorar la eficiencia del CPU y la memoria. </a:t>
             </a:r>
           </a:p>
@@ -5721,7 +5918,7 @@
           <p:cNvPr id="2" name="Título 1">
             <a:extLst>
               <a:ext uri="{FF2B5EF4-FFF2-40B4-BE49-F238E27FC236}">
-                <a16:creationId xmlns:a16="http://schemas.microsoft.com/office/drawing/2014/main" id="{294F22E9-16DA-CE1A-AA24-3E7A9915D0B7}"/>
+                <a16:creationId xmlns:a16="http://schemas.microsoft.com/office/drawing/2014/main" id="{76117AC7-C927-F9F9-C8AD-2F32603F537B}"/>
               </a:ext>
             </a:extLst>
           </p:cNvPr>
@@ -5732,7 +5929,12 @@
             <p:ph type="title"/>
           </p:nvPr>
         </p:nvSpPr>
-        <p:spPr/>
+        <p:spPr>
+          <a:xfrm>
+            <a:off x="537328" y="0"/>
+            <a:ext cx="10515600" cy="766091"/>
+          </a:xfrm>
+        </p:spPr>
         <p:txBody>
           <a:bodyPr/>
           <a:lstStyle/>
@@ -5741,128 +5943,455 @@
               <a:rPr lang="es-ES" dirty="0" err="1"/>
               <a:t>perf</a:t>
             </a:r>
+            <a:r>
+              <a:rPr lang="es-ES" dirty="0"/>
+              <a:t>: instalación en WSL2</a:t>
+            </a:r>
+          </a:p>
+        </p:txBody>
+      </p:sp>
+      <p:sp>
+        <p:nvSpPr>
+          <p:cNvPr id="3" name="Marcador de contenido 2">
+            <a:extLst>
+              <a:ext uri="{FF2B5EF4-FFF2-40B4-BE49-F238E27FC236}">
+                <a16:creationId xmlns:a16="http://schemas.microsoft.com/office/drawing/2014/main" id="{78010966-52E3-D725-4629-BFCBA54342F1}"/>
+              </a:ext>
+            </a:extLst>
+          </p:cNvPr>
+          <p:cNvSpPr>
+            <a:spLocks noGrp="1"/>
+          </p:cNvSpPr>
+          <p:nvPr>
+            <p:ph idx="1"/>
+          </p:nvPr>
+        </p:nvSpPr>
+        <p:spPr>
+          <a:xfrm>
+            <a:off x="537328" y="886120"/>
+            <a:ext cx="11095348" cy="5835355"/>
+          </a:xfrm>
+        </p:spPr>
+        <p:txBody>
+          <a:bodyPr>
+            <a:normAutofit fontScale="70000" lnSpcReduction="20000"/>
+          </a:bodyPr>
+          <a:lstStyle/>
+          <a:p>
+            <a:pPr marL="0" indent="0">
+              <a:buNone/>
+            </a:pPr>
+            <a:r>
+              <a:rPr lang="es-ES" dirty="0"/>
+              <a:t>sudo </a:t>
+            </a:r>
+            <a:r>
+              <a:rPr lang="es-ES" dirty="0" err="1"/>
+              <a:t>apt</a:t>
+            </a:r>
+            <a:r>
+              <a:rPr lang="es-ES" dirty="0"/>
+              <a:t> </a:t>
+            </a:r>
+            <a:r>
+              <a:rPr lang="es-ES" dirty="0" err="1"/>
+              <a:t>update</a:t>
+            </a:r>
             <a:endParaRPr lang="es-ES" dirty="0"/>
           </a:p>
-        </p:txBody>
-      </p:sp>
-      <p:sp>
-        <p:nvSpPr>
-          <p:cNvPr id="3" name="Marcador de contenido 2">
-            <a:extLst>
-              <a:ext uri="{FF2B5EF4-FFF2-40B4-BE49-F238E27FC236}">
-                <a16:creationId xmlns:a16="http://schemas.microsoft.com/office/drawing/2014/main" id="{976635B2-F599-0CA2-BE94-066DFE6F49A9}"/>
-              </a:ext>
-            </a:extLst>
-          </p:cNvPr>
-          <p:cNvSpPr>
-            <a:spLocks noGrp="1"/>
-          </p:cNvSpPr>
-          <p:nvPr>
-            <p:ph idx="1"/>
-          </p:nvPr>
-        </p:nvSpPr>
-        <p:spPr/>
-        <p:txBody>
-          <a:bodyPr/>
-          <a:lstStyle/>
-          <a:p>
-            <a:r>
-              <a:rPr lang="es-ES" dirty="0"/>
-              <a:t>Permite </a:t>
-            </a:r>
-            <a:r>
-              <a:rPr lang="es-ES" b="1" dirty="0"/>
-              <a:t>detectar</a:t>
-            </a:r>
-            <a:r>
-              <a:rPr lang="es-ES" dirty="0"/>
-              <a:t>:</a:t>
-            </a:r>
-          </a:p>
-          <a:p>
-            <a:pPr lvl="1"/>
-            <a:r>
-              <a:rPr lang="es-ES" dirty="0"/>
-              <a:t>Uso de CPU por función o hilo</a:t>
-            </a:r>
-          </a:p>
-          <a:p>
-            <a:pPr lvl="1"/>
-            <a:r>
-              <a:rPr lang="es-ES" dirty="0"/>
-              <a:t>Llamadas al sistema (</a:t>
+          <a:p>
+            <a:pPr marL="0" indent="0">
+              <a:buNone/>
+            </a:pPr>
+            <a:r>
+              <a:rPr lang="es-ES" dirty="0"/>
+              <a:t>sudo </a:t>
             </a:r>
             <a:r>
               <a:rPr lang="es-ES" dirty="0" err="1"/>
-              <a:t>syscalls</a:t>
-            </a:r>
-            <a:r>
-              <a:rPr lang="es-ES" dirty="0"/>
+              <a:t>apt</a:t>
+            </a:r>
+            <a:r>
+              <a:rPr lang="es-ES" dirty="0"/>
+              <a:t> </a:t>
+            </a:r>
+            <a:r>
+              <a:rPr lang="es-ES" dirty="0" err="1"/>
+              <a:t>install</a:t>
+            </a:r>
+            <a:r>
+              <a:rPr lang="es-ES" dirty="0"/>
+              <a:t> -y </a:t>
+            </a:r>
+            <a:r>
+              <a:rPr lang="es-ES" dirty="0" err="1"/>
+              <a:t>build-essential</a:t>
+            </a:r>
+            <a:r>
+              <a:rPr lang="es-ES" dirty="0"/>
+              <a:t> </a:t>
+            </a:r>
+            <a:r>
+              <a:rPr lang="es-ES" dirty="0" err="1"/>
+              <a:t>flex</a:t>
+            </a:r>
+            <a:r>
+              <a:rPr lang="es-ES" dirty="0"/>
+              <a:t> </a:t>
+            </a:r>
+            <a:r>
+              <a:rPr lang="es-ES" dirty="0" err="1"/>
+              <a:t>bison</a:t>
+            </a:r>
+            <a:r>
+              <a:rPr lang="es-ES" dirty="0"/>
+              <a:t> </a:t>
+            </a:r>
+            <a:r>
+              <a:rPr lang="es-ES" dirty="0" err="1"/>
+              <a:t>libdwarf-dev</a:t>
+            </a:r>
+            <a:r>
+              <a:rPr lang="es-ES" dirty="0"/>
+              <a:t> </a:t>
+            </a:r>
+            <a:r>
+              <a:rPr lang="es-ES" dirty="0" err="1"/>
+              <a:t>libelf-dev</a:t>
+            </a:r>
+            <a:r>
+              <a:rPr lang="es-ES" dirty="0"/>
+              <a:t> </a:t>
+            </a:r>
+            <a:r>
+              <a:rPr lang="es-ES" dirty="0" err="1"/>
+              <a:t>libnuma-dev</a:t>
+            </a:r>
+            <a:r>
+              <a:rPr lang="es-ES" dirty="0"/>
+              <a:t> </a:t>
+            </a:r>
+            <a:r>
+              <a:rPr lang="es-ES" dirty="0" err="1"/>
+              <a:t>libunwind-dev</a:t>
+            </a:r>
+            <a:r>
+              <a:rPr lang="es-ES" dirty="0"/>
+              <a:t> \</a:t>
+            </a:r>
+          </a:p>
+          <a:p>
+            <a:pPr marL="0" indent="0">
+              <a:buNone/>
+            </a:pPr>
+            <a:r>
+              <a:rPr lang="es-ES" dirty="0" err="1"/>
+              <a:t>libnewt-dev</a:t>
+            </a:r>
+            <a:r>
+              <a:rPr lang="es-ES" dirty="0"/>
+              <a:t> </a:t>
+            </a:r>
+            <a:r>
+              <a:rPr lang="es-ES" dirty="0" err="1"/>
+              <a:t>libdw-dev</a:t>
+            </a:r>
+            <a:r>
+              <a:rPr lang="es-ES" dirty="0"/>
+              <a:t> </a:t>
+            </a:r>
+            <a:r>
+              <a:rPr lang="es-ES" dirty="0" err="1"/>
+              <a:t>libssl-dev</a:t>
+            </a:r>
+            <a:r>
+              <a:rPr lang="es-ES" dirty="0"/>
+              <a:t> </a:t>
+            </a:r>
+            <a:r>
+              <a:rPr lang="es-ES" dirty="0" err="1"/>
+              <a:t>libperl-dev</a:t>
+            </a:r>
+            <a:r>
+              <a:rPr lang="es-ES" dirty="0"/>
+              <a:t>  python-dev-is-python3 </a:t>
+            </a:r>
+            <a:r>
+              <a:rPr lang="es-ES" dirty="0" err="1"/>
+              <a:t>binutils-dev</a:t>
+            </a:r>
+            <a:r>
+              <a:rPr lang="es-ES" dirty="0"/>
+              <a:t> </a:t>
+            </a:r>
+            <a:r>
+              <a:rPr lang="es-ES" dirty="0" err="1"/>
+              <a:t>libiberty-dev</a:t>
+            </a:r>
+            <a:r>
+              <a:rPr lang="es-ES" dirty="0"/>
+              <a:t> \</a:t>
+            </a:r>
+          </a:p>
+          <a:p>
+            <a:pPr marL="0" indent="0">
+              <a:buNone/>
+            </a:pPr>
+            <a:r>
+              <a:rPr lang="es-ES" dirty="0" err="1"/>
+              <a:t>libzstd-dev</a:t>
+            </a:r>
+            <a:r>
+              <a:rPr lang="es-ES" dirty="0"/>
+              <a:t> </a:t>
+            </a:r>
+            <a:r>
+              <a:rPr lang="es-ES" dirty="0" err="1"/>
+              <a:t>libcap-dev</a:t>
+            </a:r>
+            <a:r>
+              <a:rPr lang="es-ES" dirty="0"/>
+              <a:t> </a:t>
+            </a:r>
+            <a:r>
+              <a:rPr lang="es-ES" dirty="0" err="1"/>
+              <a:t>libbabeltrace-dev</a:t>
+            </a:r>
+            <a:r>
+              <a:rPr lang="es-ES" dirty="0"/>
+              <a:t> </a:t>
+            </a:r>
+            <a:r>
+              <a:rPr lang="es-ES" dirty="0" err="1"/>
+              <a:t>git</a:t>
+            </a:r>
+            <a:endParaRPr lang="es-ES" dirty="0"/>
+          </a:p>
+          <a:p>
+            <a:pPr marL="0" indent="0">
+              <a:buNone/>
+            </a:pPr>
+            <a:endParaRPr lang="es-ES" dirty="0"/>
+          </a:p>
+          <a:p>
+            <a:pPr marL="0" indent="0">
+              <a:buNone/>
+            </a:pPr>
+            <a:r>
+              <a:rPr lang="es-ES" dirty="0" err="1"/>
+              <a:t>git</a:t>
+            </a:r>
+            <a:r>
+              <a:rPr lang="es-ES" dirty="0"/>
+              <a:t> clone https://github.com/microsoft/WSL2-Linux-Kernel --</a:t>
+            </a:r>
+            <a:r>
+              <a:rPr lang="es-ES" dirty="0" err="1"/>
+              <a:t>depth</a:t>
+            </a:r>
+            <a:r>
+              <a:rPr lang="es-ES" dirty="0"/>
+              <a:t> 1</a:t>
+            </a:r>
+          </a:p>
+          <a:p>
+            <a:pPr marL="0" indent="0">
+              <a:buNone/>
+            </a:pPr>
+            <a:r>
+              <a:rPr lang="es-ES" dirty="0"/>
+              <a:t>cd WSL2-Linux-Kernel/</a:t>
+            </a:r>
+            <a:r>
+              <a:rPr lang="es-ES" dirty="0" err="1"/>
+              <a:t>tools</a:t>
+            </a:r>
+            <a:r>
+              <a:rPr lang="es-ES" dirty="0"/>
+              <a:t>/</a:t>
+            </a:r>
+            <a:r>
+              <a:rPr lang="es-ES" dirty="0" err="1"/>
+              <a:t>perf</a:t>
+            </a:r>
+            <a:endParaRPr lang="es-ES" dirty="0"/>
+          </a:p>
+          <a:p>
+            <a:pPr marL="0" indent="0">
+              <a:buNone/>
+            </a:pPr>
+            <a:endParaRPr lang="es-ES" dirty="0"/>
+          </a:p>
+          <a:p>
+            <a:pPr marL="0" indent="0">
+              <a:buNone/>
+            </a:pPr>
+            <a:r>
+              <a:rPr lang="en-US" dirty="0" err="1"/>
+              <a:t>sudo</a:t>
+            </a:r>
+            <a:r>
+              <a:rPr lang="en-US" dirty="0"/>
+              <a:t> apt install flex bison </a:t>
+            </a:r>
+            <a:r>
+              <a:rPr lang="en-US" dirty="0" err="1"/>
+              <a:t>libelf</a:t>
+            </a:r>
+            <a:r>
+              <a:rPr lang="en-US" dirty="0"/>
+              <a:t>-dev python3  </a:t>
+            </a:r>
+            <a:r>
+              <a:rPr lang="en-US" dirty="0" err="1"/>
+              <a:t>libtraceevent</a:t>
+            </a:r>
+            <a:r>
+              <a:rPr lang="en-US" dirty="0"/>
+              <a:t>-dev</a:t>
+            </a:r>
+          </a:p>
+          <a:p>
+            <a:pPr marL="0" indent="0">
+              <a:buNone/>
+            </a:pPr>
+            <a:endParaRPr lang="es-ES" dirty="0"/>
+          </a:p>
+          <a:p>
+            <a:pPr marL="0" indent="0">
+              <a:buNone/>
+            </a:pPr>
+            <a:r>
+              <a:rPr lang="es-ES" dirty="0"/>
+              <a:t>sudo </a:t>
+            </a:r>
+            <a:r>
+              <a:rPr lang="es-ES" dirty="0" err="1"/>
+              <a:t>ln</a:t>
+            </a:r>
+            <a:r>
+              <a:rPr lang="es-ES" dirty="0"/>
+              <a:t> –s /</a:t>
+            </a:r>
+            <a:r>
+              <a:rPr lang="es-ES" dirty="0" err="1"/>
+              <a:t>usr</a:t>
+            </a:r>
+            <a:r>
+              <a:rPr lang="es-ES" dirty="0"/>
+              <a:t>/</a:t>
+            </a:r>
+            <a:r>
+              <a:rPr lang="es-ES" dirty="0" err="1"/>
+              <a:t>bin</a:t>
+            </a:r>
+            <a:r>
+              <a:rPr lang="es-ES" dirty="0"/>
+              <a:t>/python3 /</a:t>
+            </a:r>
+            <a:r>
+              <a:rPr lang="es-ES" dirty="0" err="1"/>
+              <a:t>usr</a:t>
+            </a:r>
+            <a:r>
+              <a:rPr lang="es-ES" dirty="0"/>
+              <a:t>/</a:t>
+            </a:r>
+            <a:r>
+              <a:rPr lang="es-ES" dirty="0" err="1"/>
+              <a:t>bin</a:t>
+            </a:r>
+            <a:r>
+              <a:rPr lang="es-ES" dirty="0"/>
+              <a:t>/Python</a:t>
+            </a:r>
+          </a:p>
+          <a:p>
+            <a:pPr marL="0" indent="0">
+              <a:buNone/>
+            </a:pPr>
+            <a:endParaRPr lang="es-ES" dirty="0"/>
+          </a:p>
+          <a:p>
+            <a:pPr marL="0" indent="0">
+              <a:buNone/>
+            </a:pPr>
+            <a:r>
+              <a:rPr lang="en-US" dirty="0"/>
+              <a:t>make NO_LIBTRACEEVENT=1 NO_JEVENTS=1 -j$(</a:t>
+            </a:r>
+            <a:r>
+              <a:rPr lang="en-US" dirty="0" err="1"/>
+              <a:t>nproc</a:t>
+            </a:r>
+            <a:r>
+              <a:rPr lang="en-US" dirty="0"/>
               <a:t>)</a:t>
             </a:r>
           </a:p>
           <a:p>
-            <a:pPr lvl="1"/>
-            <a:r>
-              <a:rPr lang="es-ES" dirty="0"/>
-              <a:t>Latencia en operaciones de red o disco</a:t>
-            </a:r>
-          </a:p>
-          <a:p>
-            <a:pPr lvl="1"/>
-            <a:r>
-              <a:rPr lang="es-ES" dirty="0"/>
-              <a:t>Contención entre hilos.</a:t>
-            </a:r>
-          </a:p>
-          <a:p>
-            <a:pPr lvl="1"/>
+            <a:pPr marL="0" indent="0">
+              <a:buNone/>
+            </a:pPr>
             <a:endParaRPr lang="es-ES" dirty="0"/>
           </a:p>
           <a:p>
-            <a:r>
-              <a:rPr lang="es-ES" dirty="0"/>
-              <a:t>Aplicarlo:</a:t>
-            </a:r>
-          </a:p>
-          <a:p>
-            <a:pPr lvl="1"/>
+            <a:pPr marL="0" indent="0">
+              <a:buNone/>
+            </a:pPr>
+            <a:r>
+              <a:rPr lang="en-US" dirty="0" err="1"/>
+              <a:t>sudo</a:t>
+            </a:r>
+            <a:r>
+              <a:rPr lang="en-US" dirty="0"/>
+              <a:t> cp ./tools/perf/perf /</a:t>
+            </a:r>
+            <a:r>
+              <a:rPr lang="en-US" dirty="0" err="1"/>
+              <a:t>usr</a:t>
+            </a:r>
+            <a:r>
+              <a:rPr lang="en-US" dirty="0"/>
+              <a:t>/local/bin/perf</a:t>
+            </a:r>
+          </a:p>
+          <a:p>
+            <a:pPr marL="0" indent="0">
+              <a:buNone/>
+            </a:pPr>
+            <a:endParaRPr lang="es-ES" dirty="0"/>
+          </a:p>
+          <a:p>
+            <a:pPr marL="0" indent="0">
+              <a:buNone/>
+            </a:pPr>
             <a:r>
               <a:rPr lang="es-ES" b="1" dirty="0" err="1"/>
               <a:t>perf</a:t>
             </a:r>
             <a:r>
-              <a:rPr lang="es-ES" dirty="0"/>
-              <a:t> </a:t>
-            </a:r>
-            <a:r>
-              <a:rPr lang="es-ES" dirty="0" err="1"/>
-              <a:t>record</a:t>
-            </a:r>
-            <a:r>
-              <a:rPr lang="es-ES" dirty="0"/>
-              <a:t> ./microservicio</a:t>
-            </a:r>
-          </a:p>
-          <a:p>
-            <a:pPr lvl="1"/>
+              <a:rPr lang="es-ES" b="1" dirty="0"/>
+              <a:t> --</a:t>
+            </a:r>
             <a:r>
               <a:rPr lang="es-ES" b="1" dirty="0" err="1"/>
-              <a:t>perf</a:t>
-            </a:r>
-            <a:r>
-              <a:rPr lang="es-ES" dirty="0"/>
-              <a:t> </a:t>
-            </a:r>
-            <a:r>
-              <a:rPr lang="es-ES" dirty="0" err="1"/>
-              <a:t>report</a:t>
-            </a:r>
+              <a:t>version</a:t>
+            </a:r>
+            <a:endParaRPr lang="es-ES" b="1" dirty="0"/>
+          </a:p>
+          <a:p>
             <a:endParaRPr lang="es-ES" dirty="0"/>
           </a:p>
           <a:p>
             <a:endParaRPr lang="es-ES" dirty="0"/>
           </a:p>
+          <a:p>
+            <a:endParaRPr lang="es-ES" dirty="0"/>
+          </a:p>
+          <a:p>
+            <a:endParaRPr lang="es-ES" dirty="0"/>
+          </a:p>
         </p:txBody>
       </p:sp>
       <p:sp>
@@ -5870,7 +6399,7 @@
           <p:cNvPr id="4" name="Marcador de número de diapositiva 3">
             <a:extLst>
               <a:ext uri="{FF2B5EF4-FFF2-40B4-BE49-F238E27FC236}">
-                <a16:creationId xmlns:a16="http://schemas.microsoft.com/office/drawing/2014/main" id="{40FAA346-0AAC-BDF6-3A8E-3C867A5B931C}"/>
+                <a16:creationId xmlns:a16="http://schemas.microsoft.com/office/drawing/2014/main" id="{D99C7823-E90A-886D-6502-A33165CE174E}"/>
               </a:ext>
             </a:extLst>
           </p:cNvPr>
@@ -5897,7 +6426,7 @@
     </p:spTree>
     <p:extLst>
       <p:ext uri="{BB962C8B-B14F-4D97-AF65-F5344CB8AC3E}">
-        <p14:creationId xmlns:p14="http://schemas.microsoft.com/office/powerpoint/2010/main" val="3631325412"/>
+        <p14:creationId xmlns:p14="http://schemas.microsoft.com/office/powerpoint/2010/main" val="984142292"/>
       </p:ext>
     </p:extLst>
   </p:cSld>
@@ -5929,7 +6458,7 @@
           <p:cNvPr id="2" name="Título 1">
             <a:extLst>
               <a:ext uri="{FF2B5EF4-FFF2-40B4-BE49-F238E27FC236}">
-                <a16:creationId xmlns:a16="http://schemas.microsoft.com/office/drawing/2014/main" id="{46F3D344-364A-CA78-D7B9-BBA93AFDD8EE}"/>
+                <a16:creationId xmlns:a16="http://schemas.microsoft.com/office/drawing/2014/main" id="{294F22E9-16DA-CE1A-AA24-3E7A9915D0B7}"/>
               </a:ext>
             </a:extLst>
           </p:cNvPr>
@@ -5945,7 +6474,11 @@
           <a:bodyPr/>
           <a:lstStyle/>
           <a:p>
-            <a:endParaRPr lang="es-ES"/>
+            <a:r>
+              <a:rPr lang="es-ES" dirty="0" err="1"/>
+              <a:t>perf</a:t>
+            </a:r>
+            <a:endParaRPr lang="es-ES" dirty="0"/>
           </a:p>
         </p:txBody>
       </p:sp>
@@ -5954,7 +6487,7 @@
           <p:cNvPr id="3" name="Marcador de contenido 2">
             <a:extLst>
               <a:ext uri="{FF2B5EF4-FFF2-40B4-BE49-F238E27FC236}">
-                <a16:creationId xmlns:a16="http://schemas.microsoft.com/office/drawing/2014/main" id="{B5ABDD8E-AB49-6F12-6BBD-5F6F0044393A}"/>
+                <a16:creationId xmlns:a16="http://schemas.microsoft.com/office/drawing/2014/main" id="{976635B2-F599-0CA2-BE94-066DFE6F49A9}"/>
               </a:ext>
             </a:extLst>
           </p:cNvPr>
@@ -5970,7 +6503,102 @@
           <a:bodyPr/>
           <a:lstStyle/>
           <a:p>
-            <a:endParaRPr lang="es-ES"/>
+            <a:r>
+              <a:rPr lang="es-ES" dirty="0"/>
+              <a:t>Permite </a:t>
+            </a:r>
+            <a:r>
+              <a:rPr lang="es-ES" b="1" dirty="0"/>
+              <a:t>detectar</a:t>
+            </a:r>
+            <a:r>
+              <a:rPr lang="es-ES" dirty="0"/>
+              <a:t>:</a:t>
+            </a:r>
+          </a:p>
+          <a:p>
+            <a:pPr lvl="1"/>
+            <a:r>
+              <a:rPr lang="es-ES" dirty="0"/>
+              <a:t>Uso de CPU por función o hilo</a:t>
+            </a:r>
+          </a:p>
+          <a:p>
+            <a:pPr lvl="1"/>
+            <a:r>
+              <a:rPr lang="es-ES" dirty="0"/>
+              <a:t>Llamadas al sistema (</a:t>
+            </a:r>
+            <a:r>
+              <a:rPr lang="es-ES" dirty="0" err="1"/>
+              <a:t>syscalls</a:t>
+            </a:r>
+            <a:r>
+              <a:rPr lang="es-ES" dirty="0"/>
+              <a:t>)</a:t>
+            </a:r>
+          </a:p>
+          <a:p>
+            <a:pPr lvl="1"/>
+            <a:r>
+              <a:rPr lang="es-ES" dirty="0"/>
+              <a:t>Latencia en operaciones de red o disco</a:t>
+            </a:r>
+          </a:p>
+          <a:p>
+            <a:pPr lvl="1"/>
+            <a:r>
+              <a:rPr lang="es-ES" dirty="0"/>
+              <a:t>Contención entre hilos.</a:t>
+            </a:r>
+          </a:p>
+          <a:p>
+            <a:pPr lvl="1"/>
+            <a:endParaRPr lang="es-ES" dirty="0"/>
+          </a:p>
+          <a:p>
+            <a:r>
+              <a:rPr lang="es-ES" dirty="0"/>
+              <a:t>Aplicarlo:</a:t>
+            </a:r>
+          </a:p>
+          <a:p>
+            <a:pPr lvl="1"/>
+            <a:r>
+              <a:rPr lang="es-ES" b="1" dirty="0" err="1"/>
+              <a:t>perf</a:t>
+            </a:r>
+            <a:r>
+              <a:rPr lang="es-ES" dirty="0"/>
+              <a:t> </a:t>
+            </a:r>
+            <a:r>
+              <a:rPr lang="es-ES" dirty="0" err="1"/>
+              <a:t>record</a:t>
+            </a:r>
+            <a:r>
+              <a:rPr lang="es-ES" dirty="0"/>
+              <a:t> ./microservicio</a:t>
+            </a:r>
+          </a:p>
+          <a:p>
+            <a:pPr lvl="1"/>
+            <a:r>
+              <a:rPr lang="es-ES" b="1" dirty="0" err="1"/>
+              <a:t>perf</a:t>
+            </a:r>
+            <a:r>
+              <a:rPr lang="es-ES" dirty="0"/>
+              <a:t> </a:t>
+            </a:r>
+            <a:r>
+              <a:rPr lang="es-ES" dirty="0" err="1"/>
+              <a:t>report</a:t>
+            </a:r>
+            <a:endParaRPr lang="es-ES" dirty="0"/>
+          </a:p>
+          <a:p>
+            <a:endParaRPr lang="es-ES" dirty="0"/>
           </a:p>
         </p:txBody>
       </p:sp>
@@ -5979,7 +6607,7 @@
           <p:cNvPr id="4" name="Marcador de número de diapositiva 3">
             <a:extLst>
               <a:ext uri="{FF2B5EF4-FFF2-40B4-BE49-F238E27FC236}">
-                <a16:creationId xmlns:a16="http://schemas.microsoft.com/office/drawing/2014/main" id="{7A63F487-1DA4-A00D-7A89-004A08B2C4E2}"/>
+                <a16:creationId xmlns:a16="http://schemas.microsoft.com/office/drawing/2014/main" id="{40FAA346-0AAC-BDF6-3A8E-3C867A5B931C}"/>
               </a:ext>
             </a:extLst>
           </p:cNvPr>
@@ -6006,7 +6634,7 @@
     </p:spTree>
     <p:extLst>
       <p:ext uri="{BB962C8B-B14F-4D97-AF65-F5344CB8AC3E}">
-        <p14:creationId xmlns:p14="http://schemas.microsoft.com/office/powerpoint/2010/main" val="2554215957"/>
+        <p14:creationId xmlns:p14="http://schemas.microsoft.com/office/powerpoint/2010/main" val="3631325412"/>
       </p:ext>
     </p:extLst>
   </p:cSld>
@@ -6209,6 +6837,121 @@
     <p:extLst>
       <p:ext uri="{BB962C8B-B14F-4D97-AF65-F5344CB8AC3E}">
         <p14:creationId xmlns:p14="http://schemas.microsoft.com/office/powerpoint/2010/main" val="2570243890"/>
+      </p:ext>
+    </p:extLst>
+  </p:cSld>
+  <p:clrMapOvr>
+    <a:masterClrMapping/>
+  </p:clrMapOvr>
+</p:sld>
+</file>
+
+<file path=ppt/slides/slide23.xml><?xml version="1.0" encoding="utf-8"?>
+<p:sld xmlns:a="http://schemas.openxmlformats.org/drawingml/2006/main" xmlns:r="http://schemas.openxmlformats.org/officeDocument/2006/relationships" xmlns:p="http://schemas.openxmlformats.org/presentationml/2006/main">
+  <p:cSld>
+    <p:spTree>
+      <p:nvGrpSpPr>
+        <p:cNvPr id="1" name=""/>
+        <p:cNvGrpSpPr/>
+        <p:nvPr/>
+      </p:nvGrpSpPr>
+      <p:grpSpPr>
+        <a:xfrm>
+          <a:off x="0" y="0"/>
+          <a:ext cx="0" cy="0"/>
+          <a:chOff x="0" y="0"/>
+          <a:chExt cx="0" cy="0"/>
+        </a:xfrm>
+      </p:grpSpPr>
+      <p:sp>
+        <p:nvSpPr>
+          <p:cNvPr id="2" name="Título 1">
+            <a:extLst>
+              <a:ext uri="{FF2B5EF4-FFF2-40B4-BE49-F238E27FC236}">
+                <a16:creationId xmlns:a16="http://schemas.microsoft.com/office/drawing/2014/main" id="{46F3D344-364A-CA78-D7B9-BBA93AFDD8EE}"/>
+              </a:ext>
+            </a:extLst>
+          </p:cNvPr>
+          <p:cNvSpPr>
+            <a:spLocks noGrp="1"/>
+          </p:cNvSpPr>
+          <p:nvPr>
+            <p:ph type="title"/>
+          </p:nvPr>
+        </p:nvSpPr>
+        <p:spPr/>
+        <p:txBody>
+          <a:bodyPr/>
+          <a:lstStyle/>
+          <a:p>
+            <a:r>
+              <a:rPr lang="es-ES" dirty="0"/>
+              <a:t>Recompilar</a:t>
+            </a:r>
+          </a:p>
+        </p:txBody>
+      </p:sp>
+      <p:sp>
+        <p:nvSpPr>
+          <p:cNvPr id="3" name="Marcador de contenido 2">
+            <a:extLst>
+              <a:ext uri="{FF2B5EF4-FFF2-40B4-BE49-F238E27FC236}">
+                <a16:creationId xmlns:a16="http://schemas.microsoft.com/office/drawing/2014/main" id="{B5ABDD8E-AB49-6F12-6BBD-5F6F0044393A}"/>
+              </a:ext>
+            </a:extLst>
+          </p:cNvPr>
+          <p:cNvSpPr>
+            <a:spLocks noGrp="1"/>
+          </p:cNvSpPr>
+          <p:nvPr>
+            <p:ph idx="1"/>
+          </p:nvPr>
+        </p:nvSpPr>
+        <p:spPr/>
+        <p:txBody>
+          <a:bodyPr/>
+          <a:lstStyle/>
+          <a:p>
+            <a:r>
+              <a:rPr lang="es-ES" dirty="0"/>
+              <a:t>Para utilizar estas 3 herramientas, tenemos que recompilar los fuentes con el compilador de g++ para poder utilizar las herramientas.</a:t>
+            </a:r>
+          </a:p>
+        </p:txBody>
+      </p:sp>
+      <p:sp>
+        <p:nvSpPr>
+          <p:cNvPr id="4" name="Marcador de número de diapositiva 3">
+            <a:extLst>
+              <a:ext uri="{FF2B5EF4-FFF2-40B4-BE49-F238E27FC236}">
+                <a16:creationId xmlns:a16="http://schemas.microsoft.com/office/drawing/2014/main" id="{7A63F487-1DA4-A00D-7A89-004A08B2C4E2}"/>
+              </a:ext>
+            </a:extLst>
+          </p:cNvPr>
+          <p:cNvSpPr>
+            <a:spLocks noGrp="1"/>
+          </p:cNvSpPr>
+          <p:nvPr>
+            <p:ph type="sldNum" sz="quarter" idx="12"/>
+          </p:nvPr>
+        </p:nvSpPr>
+        <p:spPr/>
+        <p:txBody>
+          <a:bodyPr/>
+          <a:lstStyle/>
+          <a:p>
+            <a:fld id="{927B4081-9AA4-4402-8B96-87C4C53A8D10}" type="slidenum">
+              <a:rPr lang="es-ES" smtClean="0"/>
+              <a:t>23</a:t>
+            </a:fld>
+            <a:endParaRPr lang="es-ES"/>
+          </a:p>
+        </p:txBody>
+      </p:sp>
+    </p:spTree>
+    <p:extLst>
+      <p:ext uri="{BB962C8B-B14F-4D97-AF65-F5344CB8AC3E}">
+        <p14:creationId xmlns:p14="http://schemas.microsoft.com/office/powerpoint/2010/main" val="2554215957"/>
       </p:ext>
     </p:extLst>
   </p:cSld>
